--- a/Презентация.pptx
+++ b/Презентация.pptx
@@ -10,8 +10,10 @@
     <p:sldId id="259" r:id="rId4"/>
     <p:sldId id="260" r:id="rId5"/>
     <p:sldId id="261" r:id="rId6"/>
-    <p:sldId id="263" r:id="rId7"/>
-    <p:sldId id="257" r:id="rId8"/>
+    <p:sldId id="264" r:id="rId7"/>
+    <p:sldId id="265" r:id="rId8"/>
+    <p:sldId id="263" r:id="rId9"/>
+    <p:sldId id="257" r:id="rId10"/>
   </p:sldIdLst>
   <p:sldSz cx="9144000" cy="6858000" type="screen4x3"/>
   <p:notesSz cx="6858000" cy="9144000"/>
@@ -4660,24 +4662,46 @@
             <p:ph type="subTitle" idx="1"/>
           </p:nvPr>
         </p:nvSpPr>
-        <p:spPr/>
+        <p:spPr>
+          <a:xfrm>
+            <a:off x="395536" y="3717032"/>
+            <a:ext cx="8458200" cy="1199704"/>
+          </a:xfrm>
+        </p:spPr>
         <p:txBody>
           <a:bodyPr>
-            <a:normAutofit fontScale="92500" lnSpcReduction="10000"/>
+            <a:normAutofit fontScale="92500" lnSpcReduction="20000"/>
           </a:bodyPr>
           <a:lstStyle/>
           <a:p>
-            <a:pPr algn="l"/>
             <a:r>
               <a:rPr lang="ru-RU" dirty="0" smtClean="0"/>
-              <a:t>Выполнил студент Устьянцев К.А. Группы ИЭ-402п</a:t>
-            </a:r>
-          </a:p>
-          <a:p>
-            <a:pPr algn="l"/>
+              <a:t>Выполнил: студент </a:t>
+            </a:r>
             <a:r>
               <a:rPr lang="ru-RU" dirty="0" smtClean="0"/>
-              <a:t>Проверил Черноскутов М.Ю.</a:t>
+              <a:t>Устьянцев К.А. </a:t>
+            </a:r>
+            <a:endParaRPr lang="ru-RU" dirty="0" smtClean="0"/>
+          </a:p>
+          <a:p>
+            <a:r>
+              <a:rPr lang="ru-RU" dirty="0" smtClean="0"/>
+              <a:t>Группы </a:t>
+            </a:r>
+            <a:r>
+              <a:rPr lang="ru-RU" dirty="0" smtClean="0"/>
+              <a:t>ИЭ-402п</a:t>
+            </a:r>
+          </a:p>
+          <a:p>
+            <a:r>
+              <a:rPr lang="ru-RU" dirty="0" smtClean="0"/>
+              <a:t>Проверил: Черноскутов </a:t>
+            </a:r>
+            <a:r>
+              <a:rPr lang="ru-RU" dirty="0" smtClean="0"/>
+              <a:t>М.Ю.</a:t>
             </a:r>
             <a:endParaRPr lang="ru-RU" dirty="0"/>
           </a:p>
@@ -4748,7 +4772,6 @@
               <a:rPr lang="ru-RU" dirty="0" smtClean="0"/>
               <a:t> и обрабатывать находящиеся в них данные.</a:t>
             </a:r>
-            <a:endParaRPr lang="ru-RU" dirty="0" smtClean="0"/>
           </a:p>
           <a:p>
             <a:endParaRPr lang="ru-RU" dirty="0"/>
@@ -4917,7 +4940,7 @@
         </p:nvSpPr>
         <p:spPr>
           <a:xfrm>
-            <a:off x="611560" y="2852936"/>
+            <a:off x="539552" y="1844824"/>
             <a:ext cx="8229600" cy="2883776"/>
           </a:xfrm>
         </p:spPr>
@@ -4939,18 +4962,23 @@
           <a:p>
             <a:r>
               <a:rPr lang="ru-RU" dirty="0" smtClean="0"/>
-              <a:t>Руководство </a:t>
-            </a:r>
+              <a:t>Руководство программиста</a:t>
+            </a:r>
+          </a:p>
+          <a:p>
             <a:r>
               <a:rPr lang="ru-RU" dirty="0" smtClean="0"/>
-              <a:t>программиста</a:t>
-            </a:r>
-            <a:endParaRPr lang="ru-RU" dirty="0" smtClean="0"/>
-          </a:p>
-          <a:p>
+              <a:t>Пояснительная </a:t>
+            </a:r>
             <a:r>
               <a:rPr lang="ru-RU" dirty="0" smtClean="0"/>
-              <a:t>Пояснительная записка</a:t>
+              <a:t>записка</a:t>
+            </a:r>
+          </a:p>
+          <a:p>
+            <a:r>
+              <a:rPr lang="ru-RU" dirty="0" smtClean="0"/>
+              <a:t>Отчет по тестам</a:t>
             </a:r>
             <a:endParaRPr lang="ru-RU" dirty="0"/>
           </a:p>
@@ -5016,7 +5044,12 @@
             <p:ph idx="1"/>
           </p:nvPr>
         </p:nvSpPr>
-        <p:spPr/>
+        <p:spPr>
+          <a:xfrm>
+            <a:off x="467544" y="1196752"/>
+            <a:ext cx="8229600" cy="4525963"/>
+          </a:xfrm>
+        </p:spPr>
         <p:txBody>
           <a:bodyPr/>
           <a:lstStyle/>
@@ -5045,35 +5078,10 @@
               <a:rPr lang="en-US" dirty="0" err="1" smtClean="0"/>
               <a:t>xls</a:t>
             </a:r>
+            <a:endParaRPr lang="en-US" dirty="0" smtClean="0"/>
+          </a:p>
+          <a:p>
             <a:endParaRPr lang="ru-RU" dirty="0" smtClean="0"/>
-          </a:p>
-          <a:p>
-            <a:r>
-              <a:rPr lang="ru-RU" dirty="0" smtClean="0"/>
-              <a:t>Возвращать результат работы на экране программы</a:t>
-            </a:r>
-          </a:p>
-          <a:p>
-            <a:r>
-              <a:rPr lang="ru-RU" dirty="0" smtClean="0"/>
-              <a:t>Создавать копии проверенных файлов:</a:t>
-            </a:r>
-          </a:p>
-          <a:p>
-            <a:pPr lvl="1"/>
-            <a:r>
-              <a:rPr lang="ru-RU" dirty="0" smtClean="0"/>
-              <a:t>В случае если есть ошибки, то в сохраненном </a:t>
-            </a:r>
-            <a:r>
-              <a:rPr lang="ru-RU" smtClean="0"/>
-              <a:t>файле они </a:t>
-            </a:r>
-            <a:r>
-              <a:rPr lang="ru-RU" dirty="0" smtClean="0"/>
-              <a:t>будут выделены цветом</a:t>
-            </a:r>
-            <a:endParaRPr lang="ru-RU" dirty="0"/>
           </a:p>
         </p:txBody>
       </p:sp>
@@ -5100,6 +5108,38 @@
           </a:p>
         </p:txBody>
       </p:sp>
+      <p:pic>
+        <p:nvPicPr>
+          <p:cNvPr id="1027" name="Picture 3"/>
+          <p:cNvPicPr>
+            <a:picLocks noChangeAspect="1" noChangeArrowheads="1"/>
+          </p:cNvPicPr>
+          <p:nvPr/>
+        </p:nvPicPr>
+        <p:blipFill>
+          <a:blip r:embed="rId2" cstate="print"/>
+          <a:srcRect/>
+          <a:stretch>
+            <a:fillRect/>
+          </a:stretch>
+        </p:blipFill>
+        <p:spPr bwMode="auto">
+          <a:xfrm>
+            <a:off x="2843808" y="2132856"/>
+            <a:ext cx="4176464" cy="4363247"/>
+          </a:xfrm>
+          <a:prstGeom prst="rect">
+            <a:avLst/>
+          </a:prstGeom>
+          <a:noFill/>
+          <a:ln w="9525">
+            <a:noFill/>
+            <a:miter lim="800000"/>
+            <a:headEnd/>
+            <a:tailEnd/>
+          </a:ln>
+        </p:spPr>
+      </p:pic>
     </p:spTree>
   </p:cSld>
   <p:clrMapOvr>
@@ -5127,7 +5167,7 @@
       </p:grpSpPr>
       <p:sp>
         <p:nvSpPr>
-          <p:cNvPr id="3" name="Содержимое 2"/>
+          <p:cNvPr id="2" name="Содержимое 1"/>
           <p:cNvSpPr>
             <a:spLocks noGrp="1"/>
           </p:cNvSpPr>
@@ -5135,22 +5175,29 @@
             <p:ph idx="1"/>
           </p:nvPr>
         </p:nvSpPr>
-        <p:spPr/>
+        <p:spPr>
+          <a:xfrm>
+            <a:off x="467544" y="1268760"/>
+            <a:ext cx="8229600" cy="4525963"/>
+          </a:xfrm>
+        </p:spPr>
         <p:txBody>
           <a:bodyPr/>
           <a:lstStyle/>
           <a:p>
             <a:r>
               <a:rPr lang="ru-RU" dirty="0" smtClean="0"/>
-              <a:t>Предполагается доработать программу, до возможности обработки не всех файлов в папке, а лишь те что укажет пользователь.</a:t>
-            </a:r>
+              <a:t>Возвращать результат работы на экране программы</a:t>
+            </a:r>
+          </a:p>
+          <a:p>
             <a:endParaRPr lang="ru-RU" dirty="0"/>
           </a:p>
         </p:txBody>
       </p:sp>
       <p:sp>
         <p:nvSpPr>
-          <p:cNvPr id="2" name="Заголовок 1"/>
+          <p:cNvPr id="3" name="Заголовок 2"/>
           <p:cNvSpPr>
             <a:spLocks noGrp="1"/>
           </p:cNvSpPr>
@@ -5165,12 +5212,44 @@
           <a:p>
             <a:r>
               <a:rPr lang="ru-RU" dirty="0" smtClean="0"/>
-              <a:t>Планы на будущее</a:t>
+              <a:t>Возможности программы</a:t>
             </a:r>
             <a:endParaRPr lang="ru-RU" dirty="0"/>
           </a:p>
         </p:txBody>
       </p:sp>
+      <p:pic>
+        <p:nvPicPr>
+          <p:cNvPr id="2051" name="Picture 3"/>
+          <p:cNvPicPr>
+            <a:picLocks noChangeAspect="1" noChangeArrowheads="1"/>
+          </p:cNvPicPr>
+          <p:nvPr/>
+        </p:nvPicPr>
+        <p:blipFill>
+          <a:blip r:embed="rId2" cstate="print"/>
+          <a:srcRect/>
+          <a:stretch>
+            <a:fillRect/>
+          </a:stretch>
+        </p:blipFill>
+        <p:spPr bwMode="auto">
+          <a:xfrm>
+            <a:off x="2987824" y="2060848"/>
+            <a:ext cx="4248472" cy="4438475"/>
+          </a:xfrm>
+          <a:prstGeom prst="rect">
+            <a:avLst/>
+          </a:prstGeom>
+          <a:noFill/>
+          <a:ln w="9525">
+            <a:noFill/>
+            <a:miter lim="800000"/>
+            <a:headEnd/>
+            <a:tailEnd/>
+          </a:ln>
+        </p:spPr>
+      </p:pic>
     </p:spTree>
   </p:cSld>
   <p:clrMapOvr>
@@ -5198,6 +5277,221 @@
       </p:grpSpPr>
       <p:sp>
         <p:nvSpPr>
+          <p:cNvPr id="2" name="Содержимое 1"/>
+          <p:cNvSpPr>
+            <a:spLocks noGrp="1"/>
+          </p:cNvSpPr>
+          <p:nvPr>
+            <p:ph idx="1"/>
+          </p:nvPr>
+        </p:nvSpPr>
+        <p:spPr/>
+        <p:txBody>
+          <a:bodyPr/>
+          <a:lstStyle/>
+          <a:p>
+            <a:r>
+              <a:rPr lang="ru-RU" dirty="0" smtClean="0"/>
+              <a:t>Создавать копии проверенных файлов:</a:t>
+            </a:r>
+          </a:p>
+          <a:p>
+            <a:pPr lvl="1"/>
+            <a:r>
+              <a:rPr lang="ru-RU" dirty="0" smtClean="0"/>
+              <a:t>В случае если есть ошибки, то в сохраненном файле они будут выделены цветом</a:t>
+            </a:r>
+          </a:p>
+          <a:p>
+            <a:endParaRPr lang="ru-RU" dirty="0"/>
+          </a:p>
+        </p:txBody>
+      </p:sp>
+      <p:sp>
+        <p:nvSpPr>
+          <p:cNvPr id="3" name="Заголовок 2"/>
+          <p:cNvSpPr>
+            <a:spLocks noGrp="1"/>
+          </p:cNvSpPr>
+          <p:nvPr>
+            <p:ph type="title"/>
+          </p:nvPr>
+        </p:nvSpPr>
+        <p:spPr/>
+        <p:txBody>
+          <a:bodyPr/>
+          <a:lstStyle/>
+          <a:p>
+            <a:r>
+              <a:rPr lang="ru-RU" dirty="0" smtClean="0"/>
+              <a:t>Возможности программы</a:t>
+            </a:r>
+            <a:endParaRPr lang="ru-RU" dirty="0"/>
+          </a:p>
+        </p:txBody>
+      </p:sp>
+      <p:pic>
+        <p:nvPicPr>
+          <p:cNvPr id="3076" name="Picture 4"/>
+          <p:cNvPicPr>
+            <a:picLocks noChangeAspect="1" noChangeArrowheads="1"/>
+          </p:cNvPicPr>
+          <p:nvPr/>
+        </p:nvPicPr>
+        <p:blipFill>
+          <a:blip r:embed="rId2" cstate="print"/>
+          <a:srcRect t="21000" r="41774" b="59701"/>
+          <a:stretch>
+            <a:fillRect/>
+          </a:stretch>
+        </p:blipFill>
+        <p:spPr bwMode="auto">
+          <a:xfrm>
+            <a:off x="251520" y="2708920"/>
+            <a:ext cx="8496944" cy="1584176"/>
+          </a:xfrm>
+          <a:prstGeom prst="rect">
+            <a:avLst/>
+          </a:prstGeom>
+          <a:noFill/>
+          <a:ln w="9525">
+            <a:noFill/>
+            <a:miter lim="800000"/>
+            <a:headEnd/>
+            <a:tailEnd/>
+          </a:ln>
+        </p:spPr>
+      </p:pic>
+      <p:pic>
+        <p:nvPicPr>
+          <p:cNvPr id="7" name="Picture 4"/>
+          <p:cNvPicPr>
+            <a:picLocks noChangeAspect="1" noChangeArrowheads="1"/>
+          </p:cNvPicPr>
+          <p:nvPr/>
+        </p:nvPicPr>
+        <p:blipFill>
+          <a:blip r:embed="rId2" cstate="print"/>
+          <a:srcRect l="58226" t="21000" r="10193" b="59701"/>
+          <a:stretch>
+            <a:fillRect/>
+          </a:stretch>
+        </p:blipFill>
+        <p:spPr bwMode="auto">
+          <a:xfrm>
+            <a:off x="2987824" y="4509120"/>
+            <a:ext cx="4608512" cy="1584176"/>
+          </a:xfrm>
+          <a:prstGeom prst="rect">
+            <a:avLst/>
+          </a:prstGeom>
+          <a:noFill/>
+          <a:ln w="9525">
+            <a:noFill/>
+            <a:miter lim="800000"/>
+            <a:headEnd/>
+            <a:tailEnd/>
+          </a:ln>
+        </p:spPr>
+      </p:pic>
+    </p:spTree>
+  </p:cSld>
+  <p:clrMapOvr>
+    <a:masterClrMapping/>
+  </p:clrMapOvr>
+</p:sld>
+</file>
+
+<file path=ppt/slides/slide8.xml><?xml version="1.0" encoding="utf-8"?>
+<p:sld xmlns:a="http://schemas.openxmlformats.org/drawingml/2006/main" xmlns:r="http://schemas.openxmlformats.org/officeDocument/2006/relationships" xmlns:p="http://schemas.openxmlformats.org/presentationml/2006/main">
+  <p:cSld>
+    <p:spTree>
+      <p:nvGrpSpPr>
+        <p:cNvPr id="1" name=""/>
+        <p:cNvGrpSpPr/>
+        <p:nvPr/>
+      </p:nvGrpSpPr>
+      <p:grpSpPr>
+        <a:xfrm>
+          <a:off x="0" y="0"/>
+          <a:ext cx="0" cy="0"/>
+          <a:chOff x="0" y="0"/>
+          <a:chExt cx="0" cy="0"/>
+        </a:xfrm>
+      </p:grpSpPr>
+      <p:sp>
+        <p:nvSpPr>
+          <p:cNvPr id="3" name="Содержимое 2"/>
+          <p:cNvSpPr>
+            <a:spLocks noGrp="1"/>
+          </p:cNvSpPr>
+          <p:nvPr>
+            <p:ph idx="1"/>
+          </p:nvPr>
+        </p:nvSpPr>
+        <p:spPr/>
+        <p:txBody>
+          <a:bodyPr/>
+          <a:lstStyle/>
+          <a:p>
+            <a:r>
+              <a:rPr lang="ru-RU" dirty="0" smtClean="0"/>
+              <a:t>Предполагается доработать программу, до возможности обработки не всех файлов в папке, а лишь те что укажет пользователь.</a:t>
+            </a:r>
+            <a:endParaRPr lang="ru-RU" dirty="0"/>
+          </a:p>
+        </p:txBody>
+      </p:sp>
+      <p:sp>
+        <p:nvSpPr>
+          <p:cNvPr id="2" name="Заголовок 1"/>
+          <p:cNvSpPr>
+            <a:spLocks noGrp="1"/>
+          </p:cNvSpPr>
+          <p:nvPr>
+            <p:ph type="title"/>
+          </p:nvPr>
+        </p:nvSpPr>
+        <p:spPr/>
+        <p:txBody>
+          <a:bodyPr/>
+          <a:lstStyle/>
+          <a:p>
+            <a:r>
+              <a:rPr lang="ru-RU" dirty="0" smtClean="0"/>
+              <a:t>Планы на будущее</a:t>
+            </a:r>
+            <a:endParaRPr lang="ru-RU" dirty="0"/>
+          </a:p>
+        </p:txBody>
+      </p:sp>
+    </p:spTree>
+  </p:cSld>
+  <p:clrMapOvr>
+    <a:masterClrMapping/>
+  </p:clrMapOvr>
+</p:sld>
+</file>
+
+<file path=ppt/slides/slide9.xml><?xml version="1.0" encoding="utf-8"?>
+<p:sld xmlns:a="http://schemas.openxmlformats.org/drawingml/2006/main" xmlns:r="http://schemas.openxmlformats.org/officeDocument/2006/relationships" xmlns:p="http://schemas.openxmlformats.org/presentationml/2006/main">
+  <p:cSld>
+    <p:spTree>
+      <p:nvGrpSpPr>
+        <p:cNvPr id="1" name=""/>
+        <p:cNvGrpSpPr/>
+        <p:nvPr/>
+      </p:nvGrpSpPr>
+      <p:grpSpPr>
+        <a:xfrm>
+          <a:off x="0" y="0"/>
+          <a:ext cx="0" cy="0"/>
+          <a:chOff x="0" y="0"/>
+          <a:chExt cx="0" cy="0"/>
+        </a:xfrm>
+      </p:grpSpPr>
+      <p:sp>
+        <p:nvSpPr>
           <p:cNvPr id="2" name="Заголовок 1"/>
           <p:cNvSpPr>
             <a:spLocks noGrp="1"/>
@@ -5208,7 +5502,7 @@
         </p:nvSpPr>
         <p:spPr>
           <a:xfrm>
-            <a:off x="395536" y="2708920"/>
+            <a:off x="467544" y="908720"/>
             <a:ext cx="8229600" cy="1143000"/>
           </a:xfrm>
         </p:spPr>
@@ -5216,6 +5510,7 @@
           <a:bodyPr/>
           <a:lstStyle/>
           <a:p>
+            <a:pPr algn="ctr"/>
             <a:r>
               <a:rPr lang="ru-RU" dirty="0" smtClean="0"/>
               <a:t>Спасибо за внимание</a:t>
@@ -5224,6 +5519,32 @@
           </a:p>
         </p:txBody>
       </p:sp>
+      <p:pic>
+        <p:nvPicPr>
+          <p:cNvPr id="4098" name="Picture 2" descr="C:\Users\Kosty\Downloads\1544894069552.png"/>
+          <p:cNvPicPr>
+            <a:picLocks noChangeAspect="1" noChangeArrowheads="1"/>
+          </p:cNvPicPr>
+          <p:nvPr/>
+        </p:nvPicPr>
+        <p:blipFill>
+          <a:blip r:embed="rId2" cstate="print"/>
+          <a:srcRect/>
+          <a:stretch>
+            <a:fillRect/>
+          </a:stretch>
+        </p:blipFill>
+        <p:spPr bwMode="auto">
+          <a:xfrm>
+            <a:off x="2627784" y="2204864"/>
+            <a:ext cx="3689970" cy="3689970"/>
+          </a:xfrm>
+          <a:prstGeom prst="rect">
+            <a:avLst/>
+          </a:prstGeom>
+          <a:noFill/>
+        </p:spPr>
+      </p:pic>
     </p:spTree>
   </p:cSld>
   <p:clrMapOvr>

--- a/Презентация.pptx
+++ b/Презентация.pptx
@@ -8,12 +8,14 @@
     <p:sldId id="256" r:id="rId2"/>
     <p:sldId id="258" r:id="rId3"/>
     <p:sldId id="259" r:id="rId4"/>
-    <p:sldId id="260" r:id="rId5"/>
-    <p:sldId id="261" r:id="rId6"/>
-    <p:sldId id="264" r:id="rId7"/>
-    <p:sldId id="265" r:id="rId8"/>
-    <p:sldId id="263" r:id="rId9"/>
-    <p:sldId id="257" r:id="rId10"/>
+    <p:sldId id="261" r:id="rId5"/>
+    <p:sldId id="264" r:id="rId6"/>
+    <p:sldId id="265" r:id="rId7"/>
+    <p:sldId id="266" r:id="rId8"/>
+    <p:sldId id="267" r:id="rId9"/>
+    <p:sldId id="268" r:id="rId10"/>
+    <p:sldId id="263" r:id="rId11"/>
+    <p:sldId id="257" r:id="rId12"/>
   </p:sldIdLst>
   <p:sldSz cx="9144000" cy="6858000" type="screen4x3"/>
   <p:notesSz cx="6858000" cy="9144000"/>
@@ -112,6 +114,22 @@
       </a:defRPr>
     </a:lvl9pPr>
   </p:defaultTextStyle>
+  <p:extLst>
+    <p:ext uri="{EFAFB233-063F-42B5-8137-9DF3F51BA10A}">
+      <p15:sldGuideLst xmlns:p15="http://schemas.microsoft.com/office/powerpoint/2012/main">
+        <p15:guide id="1" orient="horz" pos="2160">
+          <p15:clr>
+            <a:srgbClr val="A4A3A4"/>
+          </p15:clr>
+        </p15:guide>
+        <p15:guide id="2" pos="2880">
+          <p15:clr>
+            <a:srgbClr val="A4A3A4"/>
+          </p15:clr>
+        </p15:guide>
+      </p15:sldGuideLst>
+    </p:ext>
+  </p:extLst>
 </p:presentation>
 </file>
 
@@ -195,9 +213,7 @@
         </p:style>
         <p:txBody>
           <a:bodyPr anchor="ctr"/>
-          <a:lstStyle>
-            <a:extLst/>
-          </a:lstStyle>
+          <a:lstStyle/>
           <a:p>
             <a:pPr algn="ctr" eaLnBrk="1" latinLnBrk="0" hangingPunct="1"/>
             <a:endParaRPr kumimoji="0" lang="en-US"/>
@@ -410,9 +426,7 @@
           </p:spPr>
           <p:txBody>
             <a:bodyPr vert="horz" wrap="square" lIns="91440" tIns="45720" rIns="91440" bIns="45720" anchor="t" compatLnSpc="1"/>
-            <a:lstStyle>
-              <a:extLst/>
-            </a:lstStyle>
+            <a:lstStyle/>
             <a:p>
               <a:endParaRPr kumimoji="0" lang="en-US"/>
             </a:p>
@@ -492,9 +506,7 @@
           </p:spPr>
           <p:txBody>
             <a:bodyPr vert="horz" wrap="square" lIns="91440" tIns="45720" rIns="91440" bIns="45720" anchor="t" compatLnSpc="1"/>
-            <a:lstStyle>
-              <a:extLst/>
-            </a:lstStyle>
+            <a:lstStyle/>
             <a:p>
               <a:endParaRPr kumimoji="0" lang="en-US"/>
             </a:p>
@@ -651,9 +663,7 @@
           </p:style>
           <p:txBody>
             <a:bodyPr vert="horz" wrap="square" lIns="91440" tIns="45720" rIns="91440" bIns="45720" anchor="ctr" compatLnSpc="1"/>
-            <a:lstStyle>
-              <a:extLst/>
-            </a:lstStyle>
+            <a:lstStyle/>
             <a:p>
               <a:pPr algn="ctr" eaLnBrk="1" latinLnBrk="0" hangingPunct="1"/>
               <a:endParaRPr kumimoji="0" lang="en-US"/>
@@ -741,7 +751,7 @@
             <a:fld id="{5B106E36-FD25-4E2D-B0AA-010F637433A0}" type="datetimeFigureOut">
               <a:rPr lang="ru-RU" smtClean="0"/>
               <a:pPr/>
-              <a:t>18.12.2018</a:t>
+              <a:t>19.12.2018</a:t>
             </a:fld>
             <a:endParaRPr lang="ru-RU"/>
           </a:p>
@@ -848,9 +858,7 @@
         <p:spPr/>
         <p:txBody>
           <a:bodyPr/>
-          <a:lstStyle>
-            <a:extLst/>
-          </a:lstStyle>
+          <a:lstStyle/>
           <a:p>
             <a:r>
               <a:rPr kumimoji="0" lang="ru-RU" smtClean="0"/>
@@ -878,9 +886,7 @@
         </p:spPr>
         <p:txBody>
           <a:bodyPr vert="eaVert"/>
-          <a:lstStyle>
-            <a:extLst/>
-          </a:lstStyle>
+          <a:lstStyle/>
           <a:p>
             <a:pPr lvl="0" eaLnBrk="1" latinLnBrk="0" hangingPunct="1"/>
             <a:r>
@@ -932,14 +938,12 @@
         <p:spPr/>
         <p:txBody>
           <a:bodyPr/>
-          <a:lstStyle>
-            <a:extLst/>
-          </a:lstStyle>
+          <a:lstStyle/>
           <a:p>
             <a:fld id="{5B106E36-FD25-4E2D-B0AA-010F637433A0}" type="datetimeFigureOut">
               <a:rPr lang="ru-RU" smtClean="0"/>
               <a:pPr/>
-              <a:t>18.12.2018</a:t>
+              <a:t>19.12.2018</a:t>
             </a:fld>
             <a:endParaRPr lang="ru-RU"/>
           </a:p>
@@ -958,9 +962,7 @@
         <p:spPr/>
         <p:txBody>
           <a:bodyPr/>
-          <a:lstStyle>
-            <a:extLst/>
-          </a:lstStyle>
+          <a:lstStyle/>
           <a:p>
             <a:endParaRPr lang="ru-RU"/>
           </a:p>
@@ -979,9 +981,7 @@
         <p:spPr/>
         <p:txBody>
           <a:bodyPr/>
-          <a:lstStyle>
-            <a:extLst/>
-          </a:lstStyle>
+          <a:lstStyle/>
           <a:p>
             <a:fld id="{725C68B6-61C2-468F-89AB-4B9F7531AA68}" type="slidenum">
               <a:rPr lang="ru-RU" smtClean="0"/>
@@ -1035,9 +1035,7 @@
         </p:spPr>
         <p:txBody>
           <a:bodyPr vert="eaVert"/>
-          <a:lstStyle>
-            <a:extLst/>
-          </a:lstStyle>
+          <a:lstStyle/>
           <a:p>
             <a:r>
               <a:rPr kumimoji="0" lang="ru-RU" smtClean="0"/>
@@ -1065,9 +1063,7 @@
         </p:spPr>
         <p:txBody>
           <a:bodyPr vert="eaVert"/>
-          <a:lstStyle>
-            <a:extLst/>
-          </a:lstStyle>
+          <a:lstStyle/>
           <a:p>
             <a:pPr lvl="0" eaLnBrk="1" latinLnBrk="0" hangingPunct="1"/>
             <a:r>
@@ -1119,14 +1115,12 @@
         <p:spPr/>
         <p:txBody>
           <a:bodyPr/>
-          <a:lstStyle>
-            <a:extLst/>
-          </a:lstStyle>
+          <a:lstStyle/>
           <a:p>
             <a:fld id="{5B106E36-FD25-4E2D-B0AA-010F637433A0}" type="datetimeFigureOut">
               <a:rPr lang="ru-RU" smtClean="0"/>
               <a:pPr/>
-              <a:t>18.12.2018</a:t>
+              <a:t>19.12.2018</a:t>
             </a:fld>
             <a:endParaRPr lang="ru-RU"/>
           </a:p>
@@ -1145,9 +1139,7 @@
         <p:spPr/>
         <p:txBody>
           <a:bodyPr/>
-          <a:lstStyle>
-            <a:extLst/>
-          </a:lstStyle>
+          <a:lstStyle/>
           <a:p>
             <a:endParaRPr lang="ru-RU"/>
           </a:p>
@@ -1166,9 +1158,7 @@
         <p:spPr/>
         <p:txBody>
           <a:bodyPr/>
-          <a:lstStyle>
-            <a:extLst/>
-          </a:lstStyle>
+          <a:lstStyle/>
           <a:p>
             <a:fld id="{725C68B6-61C2-468F-89AB-4B9F7531AA68}" type="slidenum">
               <a:rPr lang="ru-RU" smtClean="0"/>
@@ -1217,9 +1207,7 @@
         <p:spPr/>
         <p:txBody>
           <a:bodyPr/>
-          <a:lstStyle>
-            <a:extLst/>
-          </a:lstStyle>
+          <a:lstStyle/>
           <a:p>
             <a:pPr lvl="0" eaLnBrk="1" latinLnBrk="0" hangingPunct="1"/>
             <a:r>
@@ -1271,14 +1259,12 @@
         <p:spPr/>
         <p:txBody>
           <a:bodyPr/>
-          <a:lstStyle>
-            <a:extLst/>
-          </a:lstStyle>
+          <a:lstStyle/>
           <a:p>
             <a:fld id="{5B106E36-FD25-4E2D-B0AA-010F637433A0}" type="datetimeFigureOut">
               <a:rPr lang="ru-RU" smtClean="0"/>
               <a:pPr/>
-              <a:t>18.12.2018</a:t>
+              <a:t>19.12.2018</a:t>
             </a:fld>
             <a:endParaRPr lang="ru-RU"/>
           </a:p>
@@ -1297,9 +1283,7 @@
         <p:spPr/>
         <p:txBody>
           <a:bodyPr/>
-          <a:lstStyle>
-            <a:extLst/>
-          </a:lstStyle>
+          <a:lstStyle/>
           <a:p>
             <a:endParaRPr lang="ru-RU"/>
           </a:p>
@@ -1318,9 +1302,7 @@
         <p:spPr/>
         <p:txBody>
           <a:bodyPr/>
-          <a:lstStyle>
-            <a:extLst/>
-          </a:lstStyle>
+          <a:lstStyle/>
           <a:p>
             <a:fld id="{725C68B6-61C2-468F-89AB-4B9F7531AA68}" type="slidenum">
               <a:rPr lang="ru-RU" smtClean="0"/>
@@ -1344,9 +1326,7 @@
         <p:spPr/>
         <p:txBody>
           <a:bodyPr rtlCol="0"/>
-          <a:lstStyle>
-            <a:extLst/>
-          </a:lstStyle>
+          <a:lstStyle/>
           <a:p>
             <a:r>
               <a:rPr kumimoji="0" lang="ru-RU" smtClean="0"/>
@@ -1528,14 +1508,12 @@
         <p:spPr/>
         <p:txBody>
           <a:bodyPr/>
-          <a:lstStyle>
-            <a:extLst/>
-          </a:lstStyle>
+          <a:lstStyle/>
           <a:p>
             <a:fld id="{5B106E36-FD25-4E2D-B0AA-010F637433A0}" type="datetimeFigureOut">
               <a:rPr lang="ru-RU" smtClean="0"/>
               <a:pPr/>
-              <a:t>18.12.2018</a:t>
+              <a:t>19.12.2018</a:t>
             </a:fld>
             <a:endParaRPr lang="ru-RU"/>
           </a:p>
@@ -1554,9 +1532,7 @@
         <p:spPr/>
         <p:txBody>
           <a:bodyPr/>
-          <a:lstStyle>
-            <a:extLst/>
-          </a:lstStyle>
+          <a:lstStyle/>
           <a:p>
             <a:endParaRPr lang="ru-RU"/>
           </a:p>
@@ -1575,9 +1551,7 @@
         <p:spPr/>
         <p:txBody>
           <a:bodyPr/>
-          <a:lstStyle>
-            <a:extLst/>
-          </a:lstStyle>
+          <a:lstStyle/>
           <a:p>
             <a:fld id="{725C68B6-61C2-468F-89AB-4B9F7531AA68}" type="slidenum">
               <a:rPr lang="ru-RU" smtClean="0"/>
@@ -1659,9 +1633,7 @@
         </p:style>
         <p:txBody>
           <a:bodyPr anchor="ctr"/>
-          <a:lstStyle>
-            <a:extLst/>
-          </a:lstStyle>
+          <a:lstStyle/>
           <a:p>
             <a:pPr algn="l" eaLnBrk="1" latinLnBrk="0" hangingPunct="1"/>
             <a:endParaRPr kumimoji="0" lang="en-US"/>
@@ -1739,9 +1711,7 @@
         </p:style>
         <p:txBody>
           <a:bodyPr anchor="ctr"/>
-          <a:lstStyle>
-            <a:extLst/>
-          </a:lstStyle>
+          <a:lstStyle/>
           <a:p>
             <a:pPr algn="l" eaLnBrk="1" latinLnBrk="0" hangingPunct="1"/>
             <a:endParaRPr kumimoji="0" lang="en-US"/>
@@ -1939,14 +1909,12 @@
         <p:spPr/>
         <p:txBody>
           <a:bodyPr/>
-          <a:lstStyle>
-            <a:extLst/>
-          </a:lstStyle>
+          <a:lstStyle/>
           <a:p>
             <a:fld id="{5B106E36-FD25-4E2D-B0AA-010F637433A0}" type="datetimeFigureOut">
               <a:rPr lang="ru-RU" smtClean="0"/>
               <a:pPr/>
-              <a:t>18.12.2018</a:t>
+              <a:t>19.12.2018</a:t>
             </a:fld>
             <a:endParaRPr lang="ru-RU"/>
           </a:p>
@@ -1965,9 +1933,7 @@
         <p:spPr/>
         <p:txBody>
           <a:bodyPr/>
-          <a:lstStyle>
-            <a:extLst/>
-          </a:lstStyle>
+          <a:lstStyle/>
           <a:p>
             <a:endParaRPr lang="ru-RU"/>
           </a:p>
@@ -1986,9 +1952,7 @@
         <p:spPr/>
         <p:txBody>
           <a:bodyPr/>
-          <a:lstStyle>
-            <a:extLst/>
-          </a:lstStyle>
+          <a:lstStyle/>
           <a:p>
             <a:fld id="{725C68B6-61C2-468F-89AB-4B9F7531AA68}" type="slidenum">
               <a:rPr lang="ru-RU" smtClean="0"/>
@@ -2012,9 +1976,7 @@
         <p:spPr/>
         <p:txBody>
           <a:bodyPr rtlCol="0"/>
-          <a:lstStyle>
-            <a:extLst/>
-          </a:lstStyle>
+          <a:lstStyle/>
           <a:p>
             <a:r>
               <a:rPr kumimoji="0" lang="ru-RU" smtClean="0"/>
@@ -2387,14 +2349,12 @@
         <p:spPr/>
         <p:txBody>
           <a:bodyPr/>
-          <a:lstStyle>
-            <a:extLst/>
-          </a:lstStyle>
+          <a:lstStyle/>
           <a:p>
             <a:fld id="{5B106E36-FD25-4E2D-B0AA-010F637433A0}" type="datetimeFigureOut">
               <a:rPr lang="ru-RU" smtClean="0"/>
               <a:pPr/>
-              <a:t>18.12.2018</a:t>
+              <a:t>19.12.2018</a:t>
             </a:fld>
             <a:endParaRPr lang="ru-RU"/>
           </a:p>
@@ -2413,9 +2373,7 @@
         <p:spPr/>
         <p:txBody>
           <a:bodyPr/>
-          <a:lstStyle>
-            <a:extLst/>
-          </a:lstStyle>
+          <a:lstStyle/>
           <a:p>
             <a:endParaRPr lang="ru-RU"/>
           </a:p>
@@ -2434,9 +2392,7 @@
         <p:spPr/>
         <p:txBody>
           <a:bodyPr/>
-          <a:lstStyle>
-            <a:extLst/>
-          </a:lstStyle>
+          <a:lstStyle/>
           <a:p>
             <a:fld id="{725C68B6-61C2-468F-89AB-4B9F7531AA68}" type="slidenum">
               <a:rPr lang="ru-RU" smtClean="0"/>
@@ -2490,14 +2446,12 @@
         <p:spPr/>
         <p:txBody>
           <a:bodyPr/>
-          <a:lstStyle>
-            <a:extLst/>
-          </a:lstStyle>
+          <a:lstStyle/>
           <a:p>
             <a:fld id="{5B106E36-FD25-4E2D-B0AA-010F637433A0}" type="datetimeFigureOut">
               <a:rPr lang="ru-RU" smtClean="0"/>
               <a:pPr/>
-              <a:t>18.12.2018</a:t>
+              <a:t>19.12.2018</a:t>
             </a:fld>
             <a:endParaRPr lang="ru-RU"/>
           </a:p>
@@ -2516,9 +2470,7 @@
         <p:spPr/>
         <p:txBody>
           <a:bodyPr/>
-          <a:lstStyle>
-            <a:extLst/>
-          </a:lstStyle>
+          <a:lstStyle/>
           <a:p>
             <a:endParaRPr lang="ru-RU"/>
           </a:p>
@@ -2537,9 +2489,7 @@
         <p:spPr/>
         <p:txBody>
           <a:bodyPr/>
-          <a:lstStyle>
-            <a:extLst/>
-          </a:lstStyle>
+          <a:lstStyle/>
           <a:p>
             <a:fld id="{725C68B6-61C2-468F-89AB-4B9F7531AA68}" type="slidenum">
               <a:rPr lang="ru-RU" smtClean="0"/>
@@ -2563,9 +2513,7 @@
         <p:spPr/>
         <p:txBody>
           <a:bodyPr rtlCol="0"/>
-          <a:lstStyle>
-            <a:extLst/>
-          </a:lstStyle>
+          <a:lstStyle/>
           <a:p>
             <a:r>
               <a:rPr kumimoji="0" lang="ru-RU" smtClean="0"/>
@@ -2613,14 +2561,12 @@
         <p:spPr/>
         <p:txBody>
           <a:bodyPr/>
-          <a:lstStyle>
-            <a:extLst/>
-          </a:lstStyle>
+          <a:lstStyle/>
           <a:p>
             <a:fld id="{5B106E36-FD25-4E2D-B0AA-010F637433A0}" type="datetimeFigureOut">
               <a:rPr lang="ru-RU" smtClean="0"/>
               <a:pPr/>
-              <a:t>18.12.2018</a:t>
+              <a:t>19.12.2018</a:t>
             </a:fld>
             <a:endParaRPr lang="ru-RU"/>
           </a:p>
@@ -2639,9 +2585,7 @@
         <p:spPr/>
         <p:txBody>
           <a:bodyPr/>
-          <a:lstStyle>
-            <a:extLst/>
-          </a:lstStyle>
+          <a:lstStyle/>
           <a:p>
             <a:endParaRPr lang="ru-RU"/>
           </a:p>
@@ -2660,9 +2604,7 @@
         <p:spPr/>
         <p:txBody>
           <a:bodyPr/>
-          <a:lstStyle>
-            <a:extLst/>
-          </a:lstStyle>
+          <a:lstStyle/>
           <a:p>
             <a:fld id="{725C68B6-61C2-468F-89AB-4B9F7531AA68}" type="slidenum">
               <a:rPr lang="ru-RU" smtClean="0"/>
@@ -2889,14 +2831,12 @@
         </p:spPr>
         <p:txBody>
           <a:bodyPr/>
-          <a:lstStyle>
-            <a:extLst/>
-          </a:lstStyle>
+          <a:lstStyle/>
           <a:p>
             <a:fld id="{5B106E36-FD25-4E2D-B0AA-010F637433A0}" type="datetimeFigureOut">
               <a:rPr lang="ru-RU" smtClean="0"/>
               <a:pPr/>
-              <a:t>18.12.2018</a:t>
+              <a:t>19.12.2018</a:t>
             </a:fld>
             <a:endParaRPr lang="ru-RU"/>
           </a:p>
@@ -2915,9 +2855,7 @@
         <p:spPr/>
         <p:txBody>
           <a:bodyPr/>
-          <a:lstStyle>
-            <a:extLst/>
-          </a:lstStyle>
+          <a:lstStyle/>
           <a:p>
             <a:endParaRPr lang="ru-RU"/>
           </a:p>
@@ -2936,9 +2874,7 @@
         <p:spPr/>
         <p:txBody>
           <a:bodyPr/>
-          <a:lstStyle>
-            <a:extLst/>
-          </a:lstStyle>
+          <a:lstStyle/>
           <a:p>
             <a:fld id="{725C68B6-61C2-468F-89AB-4B9F7531AA68}" type="slidenum">
               <a:rPr lang="ru-RU" smtClean="0"/>
@@ -3103,7 +3039,7 @@
             <a:fld id="{5B106E36-FD25-4E2D-B0AA-010F637433A0}" type="datetimeFigureOut">
               <a:rPr lang="ru-RU" smtClean="0"/>
               <a:pPr/>
-              <a:t>18.12.2018</a:t>
+              <a:t>19.12.2018</a:t>
             </a:fld>
             <a:endParaRPr lang="ru-RU"/>
           </a:p>
@@ -3299,9 +3235,7 @@
         </p:spPr>
         <p:txBody>
           <a:bodyPr vert="horz" wrap="square" lIns="91440" tIns="45720" rIns="91440" bIns="45720" anchor="t" compatLnSpc="1"/>
-          <a:lstStyle>
-            <a:extLst/>
-          </a:lstStyle>
+          <a:lstStyle/>
           <a:p>
             <a:endParaRPr kumimoji="0" lang="en-US"/>
           </a:p>
@@ -3381,9 +3315,7 @@
         </p:spPr>
         <p:txBody>
           <a:bodyPr vert="horz" wrap="square" lIns="91440" tIns="45720" rIns="91440" bIns="45720" anchor="t" compatLnSpc="1"/>
-          <a:lstStyle>
-            <a:extLst/>
-          </a:lstStyle>
+          <a:lstStyle/>
           <a:p>
             <a:endParaRPr kumimoji="0" lang="en-US"/>
           </a:p>
@@ -3491,9 +3423,7 @@
         </p:style>
         <p:txBody>
           <a:bodyPr vert="horz" wrap="square" lIns="91440" tIns="45720" rIns="91440" bIns="45720" anchor="ctr" compatLnSpc="1"/>
-          <a:lstStyle>
-            <a:extLst/>
-          </a:lstStyle>
+          <a:lstStyle/>
           <a:p>
             <a:pPr algn="ctr" eaLnBrk="1" latinLnBrk="0" hangingPunct="1"/>
             <a:endParaRPr kumimoji="0" lang="en-US"/>
@@ -3624,9 +3554,7 @@
         </p:style>
         <p:txBody>
           <a:bodyPr anchor="ctr"/>
-          <a:lstStyle>
-            <a:extLst/>
-          </a:lstStyle>
+          <a:lstStyle/>
           <a:p>
             <a:pPr algn="l" eaLnBrk="1" latinLnBrk="0" hangingPunct="1"/>
             <a:endParaRPr kumimoji="0" lang="en-US"/>
@@ -3704,9 +3632,7 @@
         </p:style>
         <p:txBody>
           <a:bodyPr anchor="ctr"/>
-          <a:lstStyle>
-            <a:extLst/>
-          </a:lstStyle>
+          <a:lstStyle/>
           <a:p>
             <a:pPr algn="l" eaLnBrk="1" latinLnBrk="0" hangingPunct="1"/>
             <a:endParaRPr kumimoji="0" lang="en-US"/>
@@ -3819,9 +3745,7 @@
         </p:spPr>
         <p:txBody>
           <a:bodyPr vert="horz" wrap="square" lIns="91440" tIns="45720" rIns="91440" bIns="45720" anchor="t" compatLnSpc="1"/>
-          <a:lstStyle>
-            <a:extLst/>
-          </a:lstStyle>
+          <a:lstStyle/>
           <a:p>
             <a:endParaRPr kumimoji="0" lang="en-US"/>
           </a:p>
@@ -3901,9 +3825,7 @@
         </p:spPr>
         <p:txBody>
           <a:bodyPr vert="horz" wrap="square" lIns="91440" tIns="45720" rIns="91440" bIns="45720" anchor="t" compatLnSpc="1"/>
-          <a:lstStyle>
-            <a:extLst/>
-          </a:lstStyle>
+          <a:lstStyle/>
           <a:p>
             <a:endParaRPr kumimoji="0" lang="en-US"/>
           </a:p>
@@ -4011,9 +3933,7 @@
         </p:style>
         <p:txBody>
           <a:bodyPr vert="horz" wrap="square" lIns="91440" tIns="45720" rIns="91440" bIns="45720" anchor="ctr" compatLnSpc="1"/>
-          <a:lstStyle>
-            <a:extLst/>
-          </a:lstStyle>
+          <a:lstStyle/>
           <a:p>
             <a:pPr algn="ctr" eaLnBrk="1" latinLnBrk="0" hangingPunct="1"/>
             <a:endParaRPr kumimoji="0" lang="en-US"/>
@@ -4103,9 +4023,7 @@
               <a:bevelT w="25400" h="25400"/>
             </a:sp3d>
           </a:bodyPr>
-          <a:lstStyle>
-            <a:extLst/>
-          </a:lstStyle>
+          <a:lstStyle/>
           <a:p>
             <a:r>
               <a:rPr kumimoji="0" lang="ru-RU" smtClean="0"/>
@@ -4138,9 +4056,7 @@
           <a:bodyPr vert="horz">
             <a:normAutofit/>
           </a:bodyPr>
-          <a:lstStyle>
-            <a:extLst/>
-          </a:lstStyle>
+          <a:lstStyle/>
           <a:p>
             <a:pPr lvl="0" eaLnBrk="1" latinLnBrk="0" hangingPunct="1"/>
             <a:r>
@@ -4214,7 +4130,7 @@
             <a:fld id="{5B106E36-FD25-4E2D-B0AA-010F637433A0}" type="datetimeFigureOut">
               <a:rPr lang="ru-RU" smtClean="0"/>
               <a:pPr/>
-              <a:t>18.12.2018</a:t>
+              <a:t>19.12.2018</a:t>
             </a:fld>
             <a:endParaRPr lang="ru-RU"/>
           </a:p>
@@ -4676,37 +4592,175 @@
           <a:p>
             <a:r>
               <a:rPr lang="ru-RU" dirty="0" smtClean="0"/>
-              <a:t>Выполнил: студент </a:t>
-            </a:r>
+              <a:t>Выполнил: студент Устьянцев К.А. </a:t>
+            </a:r>
+          </a:p>
+          <a:p>
             <a:r>
               <a:rPr lang="ru-RU" dirty="0" smtClean="0"/>
-              <a:t>Устьянцев К.А. </a:t>
-            </a:r>
-            <a:endParaRPr lang="ru-RU" dirty="0" smtClean="0"/>
+              <a:t>Группы ИЭ-402п</a:t>
+            </a:r>
           </a:p>
           <a:p>
             <a:r>
               <a:rPr lang="ru-RU" dirty="0" smtClean="0"/>
-              <a:t>Группы </a:t>
-            </a:r>
+              <a:t>Проверил: Черноскутов М.Ю.</a:t>
+            </a:r>
+            <a:endParaRPr lang="ru-RU" dirty="0"/>
+          </a:p>
+        </p:txBody>
+      </p:sp>
+    </p:spTree>
+  </p:cSld>
+  <p:clrMapOvr>
+    <a:masterClrMapping/>
+  </p:clrMapOvr>
+</p:sld>
+</file>
+
+<file path=ppt/slides/slide10.xml><?xml version="1.0" encoding="utf-8"?>
+<p:sld xmlns:a="http://schemas.openxmlformats.org/drawingml/2006/main" xmlns:r="http://schemas.openxmlformats.org/officeDocument/2006/relationships" xmlns:p="http://schemas.openxmlformats.org/presentationml/2006/main">
+  <p:cSld>
+    <p:spTree>
+      <p:nvGrpSpPr>
+        <p:cNvPr id="1" name=""/>
+        <p:cNvGrpSpPr/>
+        <p:nvPr/>
+      </p:nvGrpSpPr>
+      <p:grpSpPr>
+        <a:xfrm>
+          <a:off x="0" y="0"/>
+          <a:ext cx="0" cy="0"/>
+          <a:chOff x="0" y="0"/>
+          <a:chExt cx="0" cy="0"/>
+        </a:xfrm>
+      </p:grpSpPr>
+      <p:sp>
+        <p:nvSpPr>
+          <p:cNvPr id="3" name="Содержимое 2"/>
+          <p:cNvSpPr>
+            <a:spLocks noGrp="1"/>
+          </p:cNvSpPr>
+          <p:nvPr>
+            <p:ph idx="1"/>
+          </p:nvPr>
+        </p:nvSpPr>
+        <p:spPr/>
+        <p:txBody>
+          <a:bodyPr/>
+          <a:lstStyle/>
+          <a:p>
             <a:r>
               <a:rPr lang="ru-RU" dirty="0" smtClean="0"/>
-              <a:t>ИЭ-402п</a:t>
-            </a:r>
-          </a:p>
+              <a:t>Предполагается доработать программу, до возможности обработки не всех файлов в папке, а лишь те что укажет пользователь.</a:t>
+            </a:r>
+            <a:endParaRPr lang="ru-RU" dirty="0"/>
+          </a:p>
+        </p:txBody>
+      </p:sp>
+      <p:sp>
+        <p:nvSpPr>
+          <p:cNvPr id="2" name="Заголовок 1"/>
+          <p:cNvSpPr>
+            <a:spLocks noGrp="1"/>
+          </p:cNvSpPr>
+          <p:nvPr>
+            <p:ph type="title"/>
+          </p:nvPr>
+        </p:nvSpPr>
+        <p:spPr/>
+        <p:txBody>
+          <a:bodyPr/>
+          <a:lstStyle/>
           <a:p>
             <a:r>
               <a:rPr lang="ru-RU" dirty="0" smtClean="0"/>
-              <a:t>Проверил: Черноскутов </a:t>
-            </a:r>
+              <a:t>Планы на будущее</a:t>
+            </a:r>
+            <a:endParaRPr lang="ru-RU" dirty="0"/>
+          </a:p>
+        </p:txBody>
+      </p:sp>
+    </p:spTree>
+  </p:cSld>
+  <p:clrMapOvr>
+    <a:masterClrMapping/>
+  </p:clrMapOvr>
+</p:sld>
+</file>
+
+<file path=ppt/slides/slide11.xml><?xml version="1.0" encoding="utf-8"?>
+<p:sld xmlns:a="http://schemas.openxmlformats.org/drawingml/2006/main" xmlns:r="http://schemas.openxmlformats.org/officeDocument/2006/relationships" xmlns:p="http://schemas.openxmlformats.org/presentationml/2006/main">
+  <p:cSld>
+    <p:spTree>
+      <p:nvGrpSpPr>
+        <p:cNvPr id="1" name=""/>
+        <p:cNvGrpSpPr/>
+        <p:nvPr/>
+      </p:nvGrpSpPr>
+      <p:grpSpPr>
+        <a:xfrm>
+          <a:off x="0" y="0"/>
+          <a:ext cx="0" cy="0"/>
+          <a:chOff x="0" y="0"/>
+          <a:chExt cx="0" cy="0"/>
+        </a:xfrm>
+      </p:grpSpPr>
+      <p:sp>
+        <p:nvSpPr>
+          <p:cNvPr id="2" name="Заголовок 1"/>
+          <p:cNvSpPr>
+            <a:spLocks noGrp="1"/>
+          </p:cNvSpPr>
+          <p:nvPr>
+            <p:ph type="title"/>
+          </p:nvPr>
+        </p:nvSpPr>
+        <p:spPr>
+          <a:xfrm>
+            <a:off x="467544" y="908720"/>
+            <a:ext cx="8229600" cy="1143000"/>
+          </a:xfrm>
+        </p:spPr>
+        <p:txBody>
+          <a:bodyPr/>
+          <a:lstStyle/>
+          <a:p>
+            <a:pPr algn="ctr"/>
             <a:r>
               <a:rPr lang="ru-RU" dirty="0" smtClean="0"/>
-              <a:t>М.Ю.</a:t>
+              <a:t>Спасибо за внимание</a:t>
             </a:r>
             <a:endParaRPr lang="ru-RU" dirty="0"/>
           </a:p>
         </p:txBody>
       </p:sp>
+      <p:pic>
+        <p:nvPicPr>
+          <p:cNvPr id="4098" name="Picture 2" descr="C:\Users\Kosty\Downloads\1544894069552.png"/>
+          <p:cNvPicPr>
+            <a:picLocks noChangeAspect="1" noChangeArrowheads="1"/>
+          </p:cNvPicPr>
+          <p:nvPr/>
+        </p:nvPicPr>
+        <p:blipFill>
+          <a:blip r:embed="rId2" cstate="print"/>
+          <a:srcRect/>
+          <a:stretch>
+            <a:fillRect/>
+          </a:stretch>
+        </p:blipFill>
+        <p:spPr bwMode="auto">
+          <a:xfrm>
+            <a:off x="2627784" y="2204864"/>
+            <a:ext cx="3689970" cy="3689970"/>
+          </a:xfrm>
+          <a:prstGeom prst="rect">
+            <a:avLst/>
+          </a:prstGeom>
+          <a:noFill/>
+        </p:spPr>
+      </p:pic>
     </p:spTree>
   </p:cSld>
   <p:clrMapOvr>
@@ -4838,7 +4892,9 @@
         </p:nvSpPr>
         <p:spPr/>
         <p:txBody>
-          <a:bodyPr/>
+          <a:bodyPr>
+            <a:normAutofit/>
+          </a:bodyPr>
           <a:lstStyle/>
           <a:p>
             <a:r>
@@ -4869,7 +4925,51 @@
           <a:p>
             <a:r>
               <a:rPr lang="ru-RU" dirty="0" smtClean="0"/>
-              <a:t>Написать документацию к программе.</a:t>
+              <a:t>Написать документацию к программе</a:t>
+            </a:r>
+            <a:r>
+              <a:rPr lang="ru-RU" dirty="0"/>
+              <a:t>:</a:t>
+            </a:r>
+            <a:endParaRPr lang="en-US" dirty="0" smtClean="0"/>
+          </a:p>
+          <a:p>
+            <a:pPr lvl="1"/>
+            <a:r>
+              <a:rPr lang="ru-RU" dirty="0"/>
+              <a:t>Техническое задание</a:t>
+            </a:r>
+          </a:p>
+          <a:p>
+            <a:pPr lvl="1"/>
+            <a:r>
+              <a:rPr lang="ru-RU" dirty="0"/>
+              <a:t>Руководство пользователя</a:t>
+            </a:r>
+          </a:p>
+          <a:p>
+            <a:pPr lvl="1"/>
+            <a:r>
+              <a:rPr lang="ru-RU" dirty="0"/>
+              <a:t>Руководство программиста</a:t>
+            </a:r>
+          </a:p>
+          <a:p>
+            <a:pPr lvl="1"/>
+            <a:r>
+              <a:rPr lang="ru-RU" dirty="0"/>
+              <a:t>Пояснительная записка</a:t>
+            </a:r>
+          </a:p>
+          <a:p>
+            <a:pPr lvl="1"/>
+            <a:r>
+              <a:rPr lang="ru-RU" dirty="0"/>
+              <a:t>Отчет по </a:t>
+            </a:r>
+            <a:r>
+              <a:rPr lang="ru-RU" dirty="0" smtClean="0"/>
+              <a:t>тестам</a:t>
             </a:r>
           </a:p>
           <a:p>
@@ -4940,112 +5040,6 @@
         </p:nvSpPr>
         <p:spPr>
           <a:xfrm>
-            <a:off x="539552" y="1844824"/>
-            <a:ext cx="8229600" cy="2883776"/>
-          </a:xfrm>
-        </p:spPr>
-        <p:txBody>
-          <a:bodyPr/>
-          <a:lstStyle/>
-          <a:p>
-            <a:r>
-              <a:rPr lang="ru-RU" dirty="0" smtClean="0"/>
-              <a:t>Техническое задание</a:t>
-            </a:r>
-          </a:p>
-          <a:p>
-            <a:r>
-              <a:rPr lang="ru-RU" dirty="0" smtClean="0"/>
-              <a:t>Руководство пользователя</a:t>
-            </a:r>
-          </a:p>
-          <a:p>
-            <a:r>
-              <a:rPr lang="ru-RU" dirty="0" smtClean="0"/>
-              <a:t>Руководство программиста</a:t>
-            </a:r>
-          </a:p>
-          <a:p>
-            <a:r>
-              <a:rPr lang="ru-RU" dirty="0" smtClean="0"/>
-              <a:t>Пояснительная </a:t>
-            </a:r>
-            <a:r>
-              <a:rPr lang="ru-RU" dirty="0" smtClean="0"/>
-              <a:t>записка</a:t>
-            </a:r>
-          </a:p>
-          <a:p>
-            <a:r>
-              <a:rPr lang="ru-RU" dirty="0" smtClean="0"/>
-              <a:t>Отчет по тестам</a:t>
-            </a:r>
-            <a:endParaRPr lang="ru-RU" dirty="0"/>
-          </a:p>
-        </p:txBody>
-      </p:sp>
-      <p:sp>
-        <p:nvSpPr>
-          <p:cNvPr id="2" name="Заголовок 1"/>
-          <p:cNvSpPr>
-            <a:spLocks noGrp="1"/>
-          </p:cNvSpPr>
-          <p:nvPr>
-            <p:ph type="title"/>
-          </p:nvPr>
-        </p:nvSpPr>
-        <p:spPr/>
-        <p:txBody>
-          <a:bodyPr>
-            <a:normAutofit fontScale="90000"/>
-          </a:bodyPr>
-          <a:lstStyle/>
-          <a:p>
-            <a:r>
-              <a:rPr lang="ru-RU" dirty="0" smtClean="0"/>
-              <a:t>Документация для курсовой работы</a:t>
-            </a:r>
-            <a:endParaRPr lang="ru-RU" dirty="0"/>
-          </a:p>
-        </p:txBody>
-      </p:sp>
-    </p:spTree>
-  </p:cSld>
-  <p:clrMapOvr>
-    <a:masterClrMapping/>
-  </p:clrMapOvr>
-</p:sld>
-</file>
-
-<file path=ppt/slides/slide5.xml><?xml version="1.0" encoding="utf-8"?>
-<p:sld xmlns:a="http://schemas.openxmlformats.org/drawingml/2006/main" xmlns:r="http://schemas.openxmlformats.org/officeDocument/2006/relationships" xmlns:p="http://schemas.openxmlformats.org/presentationml/2006/main">
-  <p:cSld>
-    <p:spTree>
-      <p:nvGrpSpPr>
-        <p:cNvPr id="1" name=""/>
-        <p:cNvGrpSpPr/>
-        <p:nvPr/>
-      </p:nvGrpSpPr>
-      <p:grpSpPr>
-        <a:xfrm>
-          <a:off x="0" y="0"/>
-          <a:ext cx="0" cy="0"/>
-          <a:chOff x="0" y="0"/>
-          <a:chExt cx="0" cy="0"/>
-        </a:xfrm>
-      </p:grpSpPr>
-      <p:sp>
-        <p:nvSpPr>
-          <p:cNvPr id="3" name="Содержимое 2"/>
-          <p:cNvSpPr>
-            <a:spLocks noGrp="1"/>
-          </p:cNvSpPr>
-          <p:nvPr>
-            <p:ph idx="1"/>
-          </p:nvPr>
-        </p:nvSpPr>
-        <p:spPr>
-          <a:xfrm>
             <a:off x="467544" y="1196752"/>
             <a:ext cx="8229600" cy="4525963"/>
           </a:xfrm>
@@ -5125,7 +5119,7 @@
         </p:blipFill>
         <p:spPr bwMode="auto">
           <a:xfrm>
-            <a:off x="2843808" y="2132856"/>
+            <a:off x="2771800" y="2132856"/>
             <a:ext cx="4176464" cy="4363247"/>
           </a:xfrm>
           <a:prstGeom prst="rect">
@@ -5148,7 +5142,7 @@
 </p:sld>
 </file>
 
-<file path=ppt/slides/slide6.xml><?xml version="1.0" encoding="utf-8"?>
+<file path=ppt/slides/slide5.xml><?xml version="1.0" encoding="utf-8"?>
 <p:sld xmlns:a="http://schemas.openxmlformats.org/drawingml/2006/main" xmlns:r="http://schemas.openxmlformats.org/officeDocument/2006/relationships" xmlns:p="http://schemas.openxmlformats.org/presentationml/2006/main">
   <p:cSld>
     <p:spTree>
@@ -5258,7 +5252,7 @@
 </p:sld>
 </file>
 
-<file path=ppt/slides/slide7.xml><?xml version="1.0" encoding="utf-8"?>
+<file path=ppt/slides/slide6.xml><?xml version="1.0" encoding="utf-8"?>
 <p:sld xmlns:a="http://schemas.openxmlformats.org/drawingml/2006/main" xmlns:r="http://schemas.openxmlformats.org/officeDocument/2006/relationships" xmlns:p="http://schemas.openxmlformats.org/presentationml/2006/main">
   <p:cSld>
     <p:spTree>
@@ -5402,6 +5396,120 @@
 </p:sld>
 </file>
 
+<file path=ppt/slides/slide7.xml><?xml version="1.0" encoding="utf-8"?>
+<p:sld xmlns:a="http://schemas.openxmlformats.org/drawingml/2006/main" xmlns:r="http://schemas.openxmlformats.org/officeDocument/2006/relationships" xmlns:p="http://schemas.openxmlformats.org/presentationml/2006/main">
+  <p:cSld>
+    <p:spTree>
+      <p:nvGrpSpPr>
+        <p:cNvPr id="1" name=""/>
+        <p:cNvGrpSpPr/>
+        <p:nvPr/>
+      </p:nvGrpSpPr>
+      <p:grpSpPr>
+        <a:xfrm>
+          <a:off x="0" y="0"/>
+          <a:ext cx="0" cy="0"/>
+          <a:chOff x="0" y="0"/>
+          <a:chExt cx="0" cy="0"/>
+        </a:xfrm>
+      </p:grpSpPr>
+      <p:sp>
+        <p:nvSpPr>
+          <p:cNvPr id="2" name="Объект 1"/>
+          <p:cNvSpPr>
+            <a:spLocks noGrp="1"/>
+          </p:cNvSpPr>
+          <p:nvPr>
+            <p:ph idx="1"/>
+          </p:nvPr>
+        </p:nvSpPr>
+        <p:spPr/>
+        <p:txBody>
+          <a:bodyPr>
+            <a:normAutofit/>
+          </a:bodyPr>
+          <a:lstStyle/>
+          <a:p>
+            <a:r>
+              <a:rPr lang="ru-RU" dirty="0" smtClean="0"/>
+              <a:t>Программа была протестирована Юнит тестами, и ручным тестированием. </a:t>
+            </a:r>
+          </a:p>
+          <a:p>
+            <a:r>
+              <a:rPr lang="ru-RU" dirty="0" smtClean="0"/>
+              <a:t>Протестирована реакция программы на пустой файл:</a:t>
+            </a:r>
+          </a:p>
+          <a:p>
+            <a:r>
+              <a:rPr lang="ru-RU" dirty="0" smtClean="0"/>
+              <a:t>Ожидаемый результат: </a:t>
+            </a:r>
+            <a:r>
+              <a:rPr lang="ru-RU" dirty="0" smtClean="0"/>
+              <a:t>Ошибка.</a:t>
+            </a:r>
+            <a:endParaRPr lang="ru-RU" dirty="0" smtClean="0"/>
+          </a:p>
+          <a:p>
+            <a:r>
+              <a:rPr lang="ru-RU" dirty="0" smtClean="0"/>
+              <a:t>Полученный </a:t>
+            </a:r>
+            <a:r>
+              <a:rPr lang="ru-RU" dirty="0" smtClean="0"/>
+              <a:t>результат: Сохраняет пустой файл как файл без ошибок.</a:t>
+            </a:r>
+            <a:endParaRPr lang="ru-RU" dirty="0" smtClean="0"/>
+          </a:p>
+          <a:p>
+            <a:endParaRPr lang="ru-RU" dirty="0" smtClean="0"/>
+          </a:p>
+          <a:p>
+            <a:endParaRPr lang="ru-RU" dirty="0" smtClean="0"/>
+          </a:p>
+          <a:p>
+            <a:endParaRPr lang="ru-RU" dirty="0"/>
+          </a:p>
+        </p:txBody>
+      </p:sp>
+      <p:sp>
+        <p:nvSpPr>
+          <p:cNvPr id="3" name="Заголовок 2"/>
+          <p:cNvSpPr>
+            <a:spLocks noGrp="1"/>
+          </p:cNvSpPr>
+          <p:nvPr>
+            <p:ph type="title"/>
+          </p:nvPr>
+        </p:nvSpPr>
+        <p:spPr/>
+        <p:txBody>
+          <a:bodyPr/>
+          <a:lstStyle/>
+          <a:p>
+            <a:r>
+              <a:rPr lang="ru-RU" dirty="0" smtClean="0"/>
+              <a:t>Тесты</a:t>
+            </a:r>
+            <a:endParaRPr lang="ru-RU" dirty="0"/>
+          </a:p>
+        </p:txBody>
+      </p:sp>
+    </p:spTree>
+    <p:extLst>
+      <p:ext uri="{BB962C8B-B14F-4D97-AF65-F5344CB8AC3E}">
+        <p14:creationId xmlns:p14="http://schemas.microsoft.com/office/powerpoint/2010/main" val="1930091311"/>
+      </p:ext>
+    </p:extLst>
+  </p:cSld>
+  <p:clrMapOvr>
+    <a:masterClrMapping/>
+  </p:clrMapOvr>
+</p:sld>
+</file>
+
 <file path=ppt/slides/slide8.xml><?xml version="1.0" encoding="utf-8"?>
 <p:sld xmlns:a="http://schemas.openxmlformats.org/drawingml/2006/main" xmlns:r="http://schemas.openxmlformats.org/officeDocument/2006/relationships" xmlns:p="http://schemas.openxmlformats.org/presentationml/2006/main">
   <p:cSld>
@@ -5421,7 +5529,7 @@
       </p:grpSpPr>
       <p:sp>
         <p:nvSpPr>
-          <p:cNvPr id="3" name="Содержимое 2"/>
+          <p:cNvPr id="2" name="Объект 1"/>
           <p:cNvSpPr>
             <a:spLocks noGrp="1"/>
           </p:cNvSpPr>
@@ -5435,16 +5543,73 @@
           <a:lstStyle/>
           <a:p>
             <a:r>
+              <a:rPr lang="ru-RU" dirty="0"/>
+              <a:t>Протестирована реакция на другие виды </a:t>
+            </a:r>
+            <a:r>
+              <a:rPr lang="ru-RU" dirty="0"/>
+              <a:t>файлов .</a:t>
+            </a:r>
+            <a:r>
+              <a:rPr lang="ru-RU" dirty="0" err="1" smtClean="0"/>
+              <a:t>doc</a:t>
+            </a:r>
+            <a:r>
               <a:rPr lang="ru-RU" dirty="0" smtClean="0"/>
-              <a:t>Предполагается доработать программу, до возможности обработки не всех файлов в папке, а лишь те что укажет пользователь.</a:t>
+              <a:t>, </a:t>
+            </a:r>
+            <a:r>
+              <a:rPr lang="ru-RU" dirty="0"/>
+              <a:t>.</a:t>
+            </a:r>
+            <a:r>
+              <a:rPr lang="en-US" dirty="0" err="1"/>
+              <a:t>mp</a:t>
+            </a:r>
+            <a:r>
+              <a:rPr lang="ru-RU" dirty="0"/>
+              <a:t>4, .</a:t>
+            </a:r>
+            <a:r>
+              <a:rPr lang="en-US" dirty="0" smtClean="0"/>
+              <a:t>exe</a:t>
+            </a:r>
+            <a:r>
+              <a:rPr lang="ru-RU" dirty="0" smtClean="0"/>
+              <a:t>:</a:t>
             </a:r>
             <a:endParaRPr lang="ru-RU" dirty="0"/>
           </a:p>
-        </p:txBody>
-      </p:sp>
-      <p:sp>
-        <p:nvSpPr>
-          <p:cNvPr id="2" name="Заголовок 1"/>
+          <a:p>
+            <a:r>
+              <a:rPr lang="ru-RU" dirty="0"/>
+              <a:t>Ожидаемый </a:t>
+            </a:r>
+            <a:r>
+              <a:rPr lang="ru-RU"/>
+              <a:t>результат</a:t>
+            </a:r>
+            <a:r>
+              <a:rPr lang="ru-RU" smtClean="0"/>
+              <a:t>: </a:t>
+            </a:r>
+            <a:endParaRPr lang="ru-RU" dirty="0" smtClean="0"/>
+          </a:p>
+          <a:p>
+            <a:r>
+              <a:rPr lang="ru-RU" dirty="0" smtClean="0"/>
+              <a:t>Полученный результат:</a:t>
+            </a:r>
+            <a:endParaRPr lang="ru-RU" dirty="0"/>
+          </a:p>
+          <a:p>
+            <a:endParaRPr lang="ru-RU" dirty="0"/>
+          </a:p>
+        </p:txBody>
+      </p:sp>
+      <p:sp>
+        <p:nvSpPr>
+          <p:cNvPr id="3" name="Заголовок 2"/>
           <p:cNvSpPr>
             <a:spLocks noGrp="1"/>
           </p:cNvSpPr>
@@ -5458,14 +5623,18 @@
           <a:lstStyle/>
           <a:p>
             <a:r>
-              <a:rPr lang="ru-RU" dirty="0" smtClean="0"/>
-              <a:t>Планы на будущее</a:t>
-            </a:r>
-            <a:endParaRPr lang="ru-RU" dirty="0"/>
+              <a:rPr lang="ru-RU" dirty="0"/>
+              <a:t>Тесты</a:t>
+            </a:r>
           </a:p>
         </p:txBody>
       </p:sp>
     </p:spTree>
+    <p:extLst>
+      <p:ext uri="{BB962C8B-B14F-4D97-AF65-F5344CB8AC3E}">
+        <p14:creationId xmlns:p14="http://schemas.microsoft.com/office/powerpoint/2010/main" val="4026269993"/>
+      </p:ext>
+    </p:extLst>
   </p:cSld>
   <p:clrMapOvr>
     <a:masterClrMapping/>
@@ -5492,7 +5661,52 @@
       </p:grpSpPr>
       <p:sp>
         <p:nvSpPr>
-          <p:cNvPr id="2" name="Заголовок 1"/>
+          <p:cNvPr id="2" name="Объект 1"/>
+          <p:cNvSpPr>
+            <a:spLocks noGrp="1"/>
+          </p:cNvSpPr>
+          <p:nvPr>
+            <p:ph idx="1"/>
+          </p:nvPr>
+        </p:nvSpPr>
+        <p:spPr/>
+        <p:txBody>
+          <a:bodyPr/>
+          <a:lstStyle/>
+          <a:p>
+            <a:r>
+              <a:rPr lang="ru-RU" dirty="0"/>
+              <a:t>Протестирована работоспособность программы при 2 одновременно запущенных версиях:</a:t>
+            </a:r>
+          </a:p>
+          <a:p>
+            <a:r>
+              <a:rPr lang="ru-RU" dirty="0"/>
+              <a:t>Ожидаемый результат</a:t>
+            </a:r>
+            <a:r>
+              <a:rPr lang="ru-RU" dirty="0" smtClean="0"/>
+              <a:t>:</a:t>
+            </a:r>
+          </a:p>
+          <a:p>
+            <a:r>
+              <a:rPr lang="ru-RU" dirty="0" smtClean="0"/>
+              <a:t> </a:t>
+            </a:r>
+            <a:r>
+              <a:rPr lang="ru-RU" dirty="0"/>
+              <a:t>Полученный результат</a:t>
+            </a:r>
+          </a:p>
+          <a:p>
+            <a:endParaRPr lang="ru-RU" dirty="0"/>
+          </a:p>
+        </p:txBody>
+      </p:sp>
+      <p:sp>
+        <p:nvSpPr>
+          <p:cNvPr id="3" name="Заголовок 2"/>
           <p:cNvSpPr>
             <a:spLocks noGrp="1"/>
           </p:cNvSpPr>
@@ -5500,52 +5714,24 @@
             <p:ph type="title"/>
           </p:nvPr>
         </p:nvSpPr>
-        <p:spPr>
-          <a:xfrm>
-            <a:off x="467544" y="908720"/>
-            <a:ext cx="8229600" cy="1143000"/>
-          </a:xfrm>
-        </p:spPr>
+        <p:spPr/>
         <p:txBody>
           <a:bodyPr/>
           <a:lstStyle/>
           <a:p>
-            <a:pPr algn="ctr"/>
-            <a:r>
-              <a:rPr lang="ru-RU" dirty="0" smtClean="0"/>
-              <a:t>Спасибо за внимание</a:t>
-            </a:r>
-            <a:endParaRPr lang="ru-RU" dirty="0"/>
-          </a:p>
-        </p:txBody>
-      </p:sp>
-      <p:pic>
-        <p:nvPicPr>
-          <p:cNvPr id="4098" name="Picture 2" descr="C:\Users\Kosty\Downloads\1544894069552.png"/>
-          <p:cNvPicPr>
-            <a:picLocks noChangeAspect="1" noChangeArrowheads="1"/>
-          </p:cNvPicPr>
-          <p:nvPr/>
-        </p:nvPicPr>
-        <p:blipFill>
-          <a:blip r:embed="rId2" cstate="print"/>
-          <a:srcRect/>
-          <a:stretch>
-            <a:fillRect/>
-          </a:stretch>
-        </p:blipFill>
-        <p:spPr bwMode="auto">
-          <a:xfrm>
-            <a:off x="2627784" y="2204864"/>
-            <a:ext cx="3689970" cy="3689970"/>
-          </a:xfrm>
-          <a:prstGeom prst="rect">
-            <a:avLst/>
-          </a:prstGeom>
-          <a:noFill/>
-        </p:spPr>
-      </p:pic>
+            <a:r>
+              <a:rPr lang="ru-RU" dirty="0"/>
+              <a:t>Тесты</a:t>
+            </a:r>
+          </a:p>
+        </p:txBody>
+      </p:sp>
     </p:spTree>
+    <p:extLst>
+      <p:ext uri="{BB962C8B-B14F-4D97-AF65-F5344CB8AC3E}">
+        <p14:creationId xmlns:p14="http://schemas.microsoft.com/office/powerpoint/2010/main" val="708954501"/>
+      </p:ext>
+    </p:extLst>
   </p:cSld>
   <p:clrMapOvr>
     <a:masterClrMapping/>

--- a/Презентация.pptx
+++ b/Презентация.pptx
@@ -4652,9 +4652,12 @@
           <a:p>
             <a:r>
               <a:rPr lang="ru-RU" dirty="0" smtClean="0"/>
-              <a:t>Предполагается доработать программу, до возможности обработки не всех файлов в папке, а лишь те что укажет пользователь.</a:t>
-            </a:r>
-            <a:endParaRPr lang="ru-RU" dirty="0"/>
+              <a:t>Предполагается доработать программу, до возможности обработки не всех файлов в папке, а лишь те что укажет пользователь</a:t>
+            </a:r>
+            <a:r>
+              <a:rPr lang="ru-RU" dirty="0" smtClean="0"/>
+              <a:t>.</a:t>
+            </a:r>
           </a:p>
         </p:txBody>
       </p:sp>
@@ -5444,24 +5447,14 @@
           <a:p>
             <a:r>
               <a:rPr lang="ru-RU" dirty="0" smtClean="0"/>
-              <a:t>Ожидаемый результат: </a:t>
-            </a:r>
+              <a:t>Ожидаемый результат: Ошибка.</a:t>
+            </a:r>
+          </a:p>
+          <a:p>
             <a:r>
               <a:rPr lang="ru-RU" dirty="0" smtClean="0"/>
-              <a:t>Ошибка.</a:t>
-            </a:r>
-            <a:endParaRPr lang="ru-RU" dirty="0" smtClean="0"/>
-          </a:p>
-          <a:p>
-            <a:r>
-              <a:rPr lang="ru-RU" dirty="0" smtClean="0"/>
-              <a:t>Полученный </a:t>
-            </a:r>
-            <a:r>
-              <a:rPr lang="ru-RU" dirty="0" smtClean="0"/>
-              <a:t>результат: Сохраняет пустой файл как файл без ошибок.</a:t>
-            </a:r>
-            <a:endParaRPr lang="ru-RU" dirty="0" smtClean="0"/>
+              <a:t>Полученный результат: Сохраняет пустой файл как файл без ошибок.</a:t>
+            </a:r>
           </a:p>
           <a:p>
             <a:endParaRPr lang="ru-RU" dirty="0" smtClean="0"/>
@@ -5544,11 +5537,7 @@
           <a:p>
             <a:r>
               <a:rPr lang="ru-RU" dirty="0"/>
-              <a:t>Протестирована реакция на другие виды </a:t>
-            </a:r>
-            <a:r>
-              <a:rPr lang="ru-RU" dirty="0"/>
-              <a:t>файлов .</a:t>
+              <a:t>Протестирована реакция на другие виды файлов .</a:t>
             </a:r>
             <a:r>
               <a:rPr lang="ru-RU" dirty="0" err="1" smtClean="0"/>
@@ -5583,22 +5572,42 @@
           <a:p>
             <a:r>
               <a:rPr lang="ru-RU" dirty="0"/>
-              <a:t>Ожидаемый </a:t>
-            </a:r>
-            <a:r>
-              <a:rPr lang="ru-RU"/>
+              <a:t>Ожидаемый результат</a:t>
+            </a:r>
+            <a:r>
+              <a:rPr lang="ru-RU" dirty="0" smtClean="0"/>
+              <a:t>:</a:t>
+            </a:r>
+            <a:r>
+              <a:rPr lang="en-US" dirty="0" smtClean="0"/>
+              <a:t> </a:t>
+            </a:r>
+            <a:r>
+              <a:rPr lang="ru-RU" dirty="0"/>
+              <a:t>Файлы будут </a:t>
+            </a:r>
+            <a:r>
+              <a:rPr lang="ru-RU" dirty="0" smtClean="0"/>
+              <a:t>проигнорированы</a:t>
+            </a:r>
+            <a:r>
+              <a:rPr lang="en-US" dirty="0"/>
+              <a:t>.</a:t>
+            </a:r>
+            <a:endParaRPr lang="en-US" dirty="0" smtClean="0"/>
+          </a:p>
+          <a:p>
+            <a:r>
+              <a:rPr lang="ru-RU" dirty="0" smtClean="0"/>
+              <a:t>Полученный </a:t>
+            </a:r>
+            <a:r>
+              <a:rPr lang="ru-RU" dirty="0" smtClean="0"/>
               <a:t>результат</a:t>
             </a:r>
             <a:r>
-              <a:rPr lang="ru-RU" smtClean="0"/>
-              <a:t>: </a:t>
-            </a:r>
-            <a:endParaRPr lang="ru-RU" dirty="0" smtClean="0"/>
-          </a:p>
-          <a:p>
-            <a:r>
               <a:rPr lang="ru-RU" dirty="0" smtClean="0"/>
-              <a:t>Полученный результат:</a:t>
+              <a:t>: Файлы были проигнорированы.</a:t>
             </a:r>
             <a:endParaRPr lang="ru-RU" dirty="0"/>
           </a:p>
@@ -5686,18 +5695,16 @@
             </a:r>
             <a:r>
               <a:rPr lang="ru-RU" dirty="0" smtClean="0"/>
-              <a:t>:</a:t>
-            </a:r>
+              <a:t>: Ошибка при открытии.</a:t>
+            </a:r>
+            <a:endParaRPr lang="ru-RU" dirty="0" smtClean="0"/>
           </a:p>
           <a:p>
             <a:r>
               <a:rPr lang="ru-RU" dirty="0" smtClean="0"/>
-              <a:t> </a:t>
-            </a:r>
-            <a:r>
-              <a:rPr lang="ru-RU" dirty="0"/>
-              <a:t>Полученный результат</a:t>
-            </a:r>
+              <a:t>Полученный результат: Стабильная работа, но нагрузка увеличивается и скорость проверки падает.</a:t>
+            </a:r>
+            <a:endParaRPr lang="ru-RU" dirty="0"/>
           </a:p>
           <a:p>
             <a:endParaRPr lang="ru-RU" dirty="0"/>

--- a/Презентация.pptx
+++ b/Презентация.pptx
@@ -4615,6 +4615,13 @@
   <p:clrMapOvr>
     <a:masterClrMapping/>
   </p:clrMapOvr>
+  <p:timing>
+    <p:tnLst>
+      <p:par>
+        <p:cTn id="1" dur="indefinite" restart="never" nodeType="tmRoot"/>
+      </p:par>
+    </p:tnLst>
+  </p:timing>
 </p:sld>
 </file>
 
@@ -4652,11 +4659,7 @@
           <a:p>
             <a:r>
               <a:rPr lang="ru-RU" dirty="0" smtClean="0"/>
-              <a:t>Предполагается доработать программу, до возможности обработки не всех файлов в папке, а лишь те что укажет пользователь</a:t>
-            </a:r>
-            <a:r>
-              <a:rPr lang="ru-RU" dirty="0" smtClean="0"/>
-              <a:t>.</a:t>
+              <a:t>Предполагается доработать программу, до возможности обработки не всех файлов в папке, а лишь те что укажет пользователь.</a:t>
             </a:r>
           </a:p>
         </p:txBody>
@@ -4689,6 +4692,13 @@
   <p:clrMapOvr>
     <a:masterClrMapping/>
   </p:clrMapOvr>
+  <p:timing>
+    <p:tnLst>
+      <p:par>
+        <p:cTn id="1" dur="indefinite" restart="never" nodeType="tmRoot"/>
+      </p:par>
+    </p:tnLst>
+  </p:timing>
 </p:sld>
 </file>
 
@@ -4769,6 +4779,13 @@
   <p:clrMapOvr>
     <a:masterClrMapping/>
   </p:clrMapOvr>
+  <p:timing>
+    <p:tnLst>
+      <p:par>
+        <p:cTn id="1" dur="indefinite" restart="never" nodeType="tmRoot"/>
+      </p:par>
+    </p:tnLst>
+  </p:timing>
 </p:sld>
 </file>
 
@@ -4863,6 +4880,13 @@
   <p:clrMapOvr>
     <a:masterClrMapping/>
   </p:clrMapOvr>
+  <p:timing>
+    <p:tnLst>
+      <p:par>
+        <p:cTn id="1" dur="indefinite" restart="never" nodeType="tmRoot"/>
+      </p:par>
+    </p:tnLst>
+  </p:timing>
 </p:sld>
 </file>
 
@@ -5011,6 +5035,13 @@
   <p:clrMapOvr>
     <a:masterClrMapping/>
   </p:clrMapOvr>
+  <p:timing>
+    <p:tnLst>
+      <p:par>
+        <p:cTn id="1" dur="indefinite" restart="never" nodeType="tmRoot"/>
+      </p:par>
+    </p:tnLst>
+  </p:timing>
 </p:sld>
 </file>
 
@@ -5107,34 +5138,24 @@
       </p:sp>
       <p:pic>
         <p:nvPicPr>
-          <p:cNvPr id="1027" name="Picture 3"/>
-          <p:cNvPicPr>
-            <a:picLocks noChangeAspect="1" noChangeArrowheads="1"/>
-          </p:cNvPicPr>
+          <p:cNvPr id="5" name="Рисунок 4"/>
+          <p:cNvPicPr/>
           <p:nvPr/>
         </p:nvPicPr>
         <p:blipFill>
-          <a:blip r:embed="rId2" cstate="print"/>
-          <a:srcRect/>
+          <a:blip r:embed="rId2"/>
           <a:stretch>
             <a:fillRect/>
           </a:stretch>
         </p:blipFill>
-        <p:spPr bwMode="auto">
+        <p:spPr>
           <a:xfrm>
-            <a:off x="2771800" y="2132856"/>
-            <a:ext cx="4176464" cy="4363247"/>
+            <a:off x="2987824" y="2030284"/>
+            <a:ext cx="3886200" cy="4614545"/>
           </a:xfrm>
           <a:prstGeom prst="rect">
             <a:avLst/>
           </a:prstGeom>
-          <a:noFill/>
-          <a:ln w="9525">
-            <a:noFill/>
-            <a:miter lim="800000"/>
-            <a:headEnd/>
-            <a:tailEnd/>
-          </a:ln>
         </p:spPr>
       </p:pic>
     </p:spTree>
@@ -5142,6 +5163,13 @@
   <p:clrMapOvr>
     <a:masterClrMapping/>
   </p:clrMapOvr>
+  <p:timing>
+    <p:tnLst>
+      <p:par>
+        <p:cTn id="1" dur="indefinite" restart="never" nodeType="tmRoot"/>
+      </p:par>
+    </p:tnLst>
+  </p:timing>
 </p:sld>
 </file>
 
@@ -5252,6 +5280,13 @@
   <p:clrMapOvr>
     <a:masterClrMapping/>
   </p:clrMapOvr>
+  <p:timing>
+    <p:tnLst>
+      <p:par>
+        <p:cTn id="1" dur="indefinite" restart="never" nodeType="tmRoot"/>
+      </p:par>
+    </p:tnLst>
+  </p:timing>
 </p:sld>
 </file>
 
@@ -5396,6 +5431,13 @@
   <p:clrMapOvr>
     <a:masterClrMapping/>
   </p:clrMapOvr>
+  <p:timing>
+    <p:tnLst>
+      <p:par>
+        <p:cTn id="1" dur="indefinite" restart="never" nodeType="tmRoot"/>
+      </p:par>
+    </p:tnLst>
+  </p:timing>
 </p:sld>
 </file>
 
@@ -5500,6 +5542,13 @@
   <p:clrMapOvr>
     <a:masterClrMapping/>
   </p:clrMapOvr>
+  <p:timing>
+    <p:tnLst>
+      <p:par>
+        <p:cTn id="1" dur="indefinite" restart="never" nodeType="tmRoot"/>
+      </p:par>
+    </p:tnLst>
+  </p:timing>
 </p:sld>
 </file>
 
@@ -5599,15 +5648,7 @@
           <a:p>
             <a:r>
               <a:rPr lang="ru-RU" dirty="0" smtClean="0"/>
-              <a:t>Полученный </a:t>
-            </a:r>
-            <a:r>
-              <a:rPr lang="ru-RU" dirty="0" smtClean="0"/>
-              <a:t>результат</a:t>
-            </a:r>
-            <a:r>
-              <a:rPr lang="ru-RU" dirty="0" smtClean="0"/>
-              <a:t>: Файлы были проигнорированы.</a:t>
+              <a:t>Полученный результат: Файлы были проигнорированы.</a:t>
             </a:r>
             <a:endParaRPr lang="ru-RU" dirty="0"/>
           </a:p>
@@ -5648,6 +5689,13 @@
   <p:clrMapOvr>
     <a:masterClrMapping/>
   </p:clrMapOvr>
+  <p:timing>
+    <p:tnLst>
+      <p:par>
+        <p:cTn id="1" dur="indefinite" restart="never" nodeType="tmRoot"/>
+      </p:par>
+    </p:tnLst>
+  </p:timing>
 </p:sld>
 </file>
 
@@ -5697,7 +5745,6 @@
               <a:rPr lang="ru-RU" dirty="0" smtClean="0"/>
               <a:t>: Ошибка при открытии.</a:t>
             </a:r>
-            <a:endParaRPr lang="ru-RU" dirty="0" smtClean="0"/>
           </a:p>
           <a:p>
             <a:r>
@@ -5743,6 +5790,13 @@
   <p:clrMapOvr>
     <a:masterClrMapping/>
   </p:clrMapOvr>
+  <p:timing>
+    <p:tnLst>
+      <p:par>
+        <p:cTn id="1" dur="indefinite" restart="never" nodeType="tmRoot"/>
+      </p:par>
+    </p:tnLst>
+  </p:timing>
 </p:sld>
 </file>
 

--- a/Презентация.pptx
+++ b/Презентация.pptx
@@ -116,7 +116,7 @@
   </p:defaultTextStyle>
   <p:extLst>
     <p:ext uri="{EFAFB233-063F-42B5-8137-9DF3F51BA10A}">
-      <p15:sldGuideLst xmlns:p15="http://schemas.microsoft.com/office/powerpoint/2012/main">
+      <p15:sldGuideLst xmlns="" xmlns:p15="http://schemas.microsoft.com/office/powerpoint/2012/main">
         <p15:guide id="1" orient="horz" pos="2160">
           <p15:clr>
             <a:srgbClr val="A4A3A4"/>
@@ -4659,8 +4659,19 @@
           <a:p>
             <a:r>
               <a:rPr lang="ru-RU" dirty="0" smtClean="0"/>
-              <a:t>Предполагается доработать программу, до возможности обработки не всех файлов в папке, а лишь те что укажет пользователь.</a:t>
-            </a:r>
+              <a:t>Предполагается доработать программу, до возможности обработки не всех файлов в папке, а лишь те что укажет пользователь</a:t>
+            </a:r>
+            <a:r>
+              <a:rPr lang="ru-RU" dirty="0" smtClean="0"/>
+              <a:t>.</a:t>
+            </a:r>
+          </a:p>
+          <a:p>
+            <a:r>
+              <a:rPr lang="ru-RU" dirty="0" smtClean="0"/>
+              <a:t>Добавить возможность авто исправления простых ошибок.</a:t>
+            </a:r>
+            <a:endParaRPr lang="ru-RU" dirty="0" smtClean="0"/>
           </a:p>
         </p:txBody>
       </p:sp>
@@ -4731,7 +4742,7 @@
         </p:nvSpPr>
         <p:spPr>
           <a:xfrm>
-            <a:off x="467544" y="908720"/>
+            <a:off x="611560" y="620688"/>
             <a:ext cx="8229600" cy="1143000"/>
           </a:xfrm>
         </p:spPr>
@@ -4765,8 +4776,8 @@
         </p:blipFill>
         <p:spPr bwMode="auto">
           <a:xfrm>
-            <a:off x="2627784" y="2204864"/>
-            <a:ext cx="3689970" cy="3689970"/>
+            <a:off x="2699792" y="2060848"/>
+            <a:ext cx="4293096" cy="4293096"/>
           </a:xfrm>
           <a:prstGeom prst="rect">
             <a:avLst/>
@@ -4963,15 +4974,12 @@
           <a:p>
             <a:pPr lvl="1"/>
             <a:r>
+              <a:rPr lang="ru-RU" dirty="0" smtClean="0"/>
+              <a:t>Руководство </a:t>
+            </a:r>
+            <a:r>
               <a:rPr lang="ru-RU" dirty="0"/>
-              <a:t>Техническое задание</a:t>
-            </a:r>
-          </a:p>
-          <a:p>
-            <a:pPr lvl="1"/>
-            <a:r>
-              <a:rPr lang="ru-RU" dirty="0"/>
-              <a:t>Руководство пользователя</a:t>
+              <a:t>пользователя</a:t>
             </a:r>
           </a:p>
           <a:p>
@@ -5143,7 +5151,7 @@
           <p:nvPr/>
         </p:nvPicPr>
         <p:blipFill>
-          <a:blip r:embed="rId2"/>
+          <a:blip r:embed="rId2" cstate="print"/>
           <a:stretch>
             <a:fillRect/>
           </a:stretch>
@@ -5477,7 +5485,15 @@
           <a:p>
             <a:r>
               <a:rPr lang="ru-RU" dirty="0" smtClean="0"/>
-              <a:t>Программа была протестирована Юнит тестами, и ручным тестированием. </a:t>
+              <a:t>Программа была протестирована </a:t>
+            </a:r>
+            <a:r>
+              <a:rPr lang="en-US" dirty="0" err="1" smtClean="0"/>
+              <a:t>UnitTest</a:t>
+            </a:r>
+            <a:r>
+              <a:rPr lang="ru-RU" dirty="0" smtClean="0"/>
+              <a:t>, и ручным тестированием. </a:t>
             </a:r>
           </a:p>
           <a:p>
@@ -5535,7 +5551,7 @@
     </p:spTree>
     <p:extLst>
       <p:ext uri="{BB962C8B-B14F-4D97-AF65-F5344CB8AC3E}">
-        <p14:creationId xmlns:p14="http://schemas.microsoft.com/office/powerpoint/2010/main" val="1930091311"/>
+        <p14:creationId xmlns="" xmlns:p14="http://schemas.microsoft.com/office/powerpoint/2010/main" val="1930091311"/>
       </p:ext>
     </p:extLst>
   </p:cSld>
@@ -5682,7 +5698,7 @@
     </p:spTree>
     <p:extLst>
       <p:ext uri="{BB962C8B-B14F-4D97-AF65-F5344CB8AC3E}">
-        <p14:creationId xmlns:p14="http://schemas.microsoft.com/office/powerpoint/2010/main" val="4026269993"/>
+        <p14:creationId xmlns="" xmlns:p14="http://schemas.microsoft.com/office/powerpoint/2010/main" val="4026269993"/>
       </p:ext>
     </p:extLst>
   </p:cSld>
@@ -5783,7 +5799,7 @@
     </p:spTree>
     <p:extLst>
       <p:ext uri="{BB962C8B-B14F-4D97-AF65-F5344CB8AC3E}">
-        <p14:creationId xmlns:p14="http://schemas.microsoft.com/office/powerpoint/2010/main" val="708954501"/>
+        <p14:creationId xmlns="" xmlns:p14="http://schemas.microsoft.com/office/powerpoint/2010/main" val="708954501"/>
       </p:ext>
     </p:extLst>
   </p:cSld>

--- a/Презентация.pptx
+++ b/Презентация.pptx
@@ -4,6 +4,9 @@
   <p:sldMasterIdLst>
     <p:sldMasterId id="2147483672" r:id="rId1"/>
   </p:sldMasterIdLst>
+  <p:notesMasterIdLst>
+    <p:notesMasterId r:id="rId16"/>
+  </p:notesMasterIdLst>
   <p:sldIdLst>
     <p:sldId id="256" r:id="rId2"/>
     <p:sldId id="258" r:id="rId3"/>
@@ -12,10 +15,13 @@
     <p:sldId id="264" r:id="rId6"/>
     <p:sldId id="265" r:id="rId7"/>
     <p:sldId id="266" r:id="rId8"/>
-    <p:sldId id="267" r:id="rId9"/>
-    <p:sldId id="268" r:id="rId10"/>
-    <p:sldId id="263" r:id="rId11"/>
-    <p:sldId id="257" r:id="rId12"/>
+    <p:sldId id="271" r:id="rId9"/>
+    <p:sldId id="270" r:id="rId10"/>
+    <p:sldId id="267" r:id="rId11"/>
+    <p:sldId id="268" r:id="rId12"/>
+    <p:sldId id="269" r:id="rId13"/>
+    <p:sldId id="263" r:id="rId14"/>
+    <p:sldId id="257" r:id="rId15"/>
   </p:sldIdLst>
   <p:sldSz cx="9144000" cy="6858000" type="screen4x3"/>
   <p:notesSz cx="6858000" cy="9144000"/>
@@ -116,7 +122,7 @@
   </p:defaultTextStyle>
   <p:extLst>
     <p:ext uri="{EFAFB233-063F-42B5-8137-9DF3F51BA10A}">
-      <p15:sldGuideLst xmlns="" xmlns:p15="http://schemas.microsoft.com/office/powerpoint/2012/main">
+      <p15:sldGuideLst xmlns:p15="http://schemas.microsoft.com/office/powerpoint/2012/main" xmlns="">
         <p15:guide id="1" orient="horz" pos="2160">
           <p15:clr>
             <a:srgbClr val="A4A3A4"/>
@@ -131,6 +137,457 @@
     </p:ext>
   </p:extLst>
 </p:presentation>
+</file>
+
+<file path=ppt/notesMasters/notesMaster1.xml><?xml version="1.0" encoding="utf-8"?>
+<p:notesMaster xmlns:a="http://schemas.openxmlformats.org/drawingml/2006/main" xmlns:r="http://schemas.openxmlformats.org/officeDocument/2006/relationships" xmlns:p="http://schemas.openxmlformats.org/presentationml/2006/main">
+  <p:cSld>
+    <p:bg>
+      <p:bgRef idx="1001">
+        <a:schemeClr val="bg1"/>
+      </p:bgRef>
+    </p:bg>
+    <p:spTree>
+      <p:nvGrpSpPr>
+        <p:cNvPr id="1" name=""/>
+        <p:cNvGrpSpPr/>
+        <p:nvPr/>
+      </p:nvGrpSpPr>
+      <p:grpSpPr>
+        <a:xfrm>
+          <a:off x="0" y="0"/>
+          <a:ext cx="0" cy="0"/>
+          <a:chOff x="0" y="0"/>
+          <a:chExt cx="0" cy="0"/>
+        </a:xfrm>
+      </p:grpSpPr>
+      <p:sp>
+        <p:nvSpPr>
+          <p:cNvPr id="2" name="Верхний колонтитул 1"/>
+          <p:cNvSpPr>
+            <a:spLocks noGrp="1"/>
+          </p:cNvSpPr>
+          <p:nvPr>
+            <p:ph type="hdr" sz="quarter"/>
+          </p:nvPr>
+        </p:nvSpPr>
+        <p:spPr>
+          <a:xfrm>
+            <a:off x="0" y="0"/>
+            <a:ext cx="2971800" cy="457200"/>
+          </a:xfrm>
+          <a:prstGeom prst="rect">
+            <a:avLst/>
+          </a:prstGeom>
+        </p:spPr>
+        <p:txBody>
+          <a:bodyPr vert="horz" lIns="91440" tIns="45720" rIns="91440" bIns="45720" rtlCol="0"/>
+          <a:lstStyle>
+            <a:lvl1pPr algn="l">
+              <a:defRPr sz="1200"/>
+            </a:lvl1pPr>
+          </a:lstStyle>
+          <a:p>
+            <a:endParaRPr lang="ru-RU"/>
+          </a:p>
+        </p:txBody>
+      </p:sp>
+      <p:sp>
+        <p:nvSpPr>
+          <p:cNvPr id="3" name="Дата 2"/>
+          <p:cNvSpPr>
+            <a:spLocks noGrp="1"/>
+          </p:cNvSpPr>
+          <p:nvPr>
+            <p:ph type="dt" idx="1"/>
+          </p:nvPr>
+        </p:nvSpPr>
+        <p:spPr>
+          <a:xfrm>
+            <a:off x="3884613" y="0"/>
+            <a:ext cx="2971800" cy="457200"/>
+          </a:xfrm>
+          <a:prstGeom prst="rect">
+            <a:avLst/>
+          </a:prstGeom>
+        </p:spPr>
+        <p:txBody>
+          <a:bodyPr vert="horz" lIns="91440" tIns="45720" rIns="91440" bIns="45720" rtlCol="0"/>
+          <a:lstStyle>
+            <a:lvl1pPr algn="r">
+              <a:defRPr sz="1200"/>
+            </a:lvl1pPr>
+          </a:lstStyle>
+          <a:p>
+            <a:fld id="{4C9B9DDF-CA6D-4CBC-A3D0-D4A121D0EB79}" type="datetimeFigureOut">
+              <a:rPr lang="ru-RU" smtClean="0"/>
+              <a:pPr/>
+              <a:t>19.12.2018</a:t>
+            </a:fld>
+            <a:endParaRPr lang="ru-RU"/>
+          </a:p>
+        </p:txBody>
+      </p:sp>
+      <p:sp>
+        <p:nvSpPr>
+          <p:cNvPr id="4" name="Образ слайда 3"/>
+          <p:cNvSpPr>
+            <a:spLocks noGrp="1" noRot="1" noChangeAspect="1"/>
+          </p:cNvSpPr>
+          <p:nvPr>
+            <p:ph type="sldImg" idx="2"/>
+          </p:nvPr>
+        </p:nvSpPr>
+        <p:spPr>
+          <a:xfrm>
+            <a:off x="1143000" y="685800"/>
+            <a:ext cx="4572000" cy="3429000"/>
+          </a:xfrm>
+          <a:prstGeom prst="rect">
+            <a:avLst/>
+          </a:prstGeom>
+          <a:noFill/>
+          <a:ln w="12700">
+            <a:solidFill>
+              <a:prstClr val="black"/>
+            </a:solidFill>
+          </a:ln>
+        </p:spPr>
+        <p:txBody>
+          <a:bodyPr vert="horz" lIns="91440" tIns="45720" rIns="91440" bIns="45720" rtlCol="0" anchor="ctr"/>
+          <a:lstStyle/>
+          <a:p>
+            <a:endParaRPr lang="ru-RU"/>
+          </a:p>
+        </p:txBody>
+      </p:sp>
+      <p:sp>
+        <p:nvSpPr>
+          <p:cNvPr id="5" name="Заметки 4"/>
+          <p:cNvSpPr>
+            <a:spLocks noGrp="1"/>
+          </p:cNvSpPr>
+          <p:nvPr>
+            <p:ph type="body" sz="quarter" idx="3"/>
+          </p:nvPr>
+        </p:nvSpPr>
+        <p:spPr>
+          <a:xfrm>
+            <a:off x="685800" y="4343400"/>
+            <a:ext cx="5486400" cy="4114800"/>
+          </a:xfrm>
+          <a:prstGeom prst="rect">
+            <a:avLst/>
+          </a:prstGeom>
+        </p:spPr>
+        <p:txBody>
+          <a:bodyPr vert="horz" lIns="91440" tIns="45720" rIns="91440" bIns="45720" rtlCol="0">
+            <a:normAutofit/>
+          </a:bodyPr>
+          <a:lstStyle/>
+          <a:p>
+            <a:pPr lvl="0"/>
+            <a:r>
+              <a:rPr lang="ru-RU" smtClean="0"/>
+              <a:t>Образец текста</a:t>
+            </a:r>
+          </a:p>
+          <a:p>
+            <a:pPr lvl="1"/>
+            <a:r>
+              <a:rPr lang="ru-RU" smtClean="0"/>
+              <a:t>Второй уровень</a:t>
+            </a:r>
+          </a:p>
+          <a:p>
+            <a:pPr lvl="2"/>
+            <a:r>
+              <a:rPr lang="ru-RU" smtClean="0"/>
+              <a:t>Третий уровень</a:t>
+            </a:r>
+          </a:p>
+          <a:p>
+            <a:pPr lvl="3"/>
+            <a:r>
+              <a:rPr lang="ru-RU" smtClean="0"/>
+              <a:t>Четвертый уровень</a:t>
+            </a:r>
+          </a:p>
+          <a:p>
+            <a:pPr lvl="4"/>
+            <a:r>
+              <a:rPr lang="ru-RU" smtClean="0"/>
+              <a:t>Пятый уровень</a:t>
+            </a:r>
+            <a:endParaRPr lang="ru-RU"/>
+          </a:p>
+        </p:txBody>
+      </p:sp>
+      <p:sp>
+        <p:nvSpPr>
+          <p:cNvPr id="6" name="Нижний колонтитул 5"/>
+          <p:cNvSpPr>
+            <a:spLocks noGrp="1"/>
+          </p:cNvSpPr>
+          <p:nvPr>
+            <p:ph type="ftr" sz="quarter" idx="4"/>
+          </p:nvPr>
+        </p:nvSpPr>
+        <p:spPr>
+          <a:xfrm>
+            <a:off x="0" y="8685213"/>
+            <a:ext cx="2971800" cy="457200"/>
+          </a:xfrm>
+          <a:prstGeom prst="rect">
+            <a:avLst/>
+          </a:prstGeom>
+        </p:spPr>
+        <p:txBody>
+          <a:bodyPr vert="horz" lIns="91440" tIns="45720" rIns="91440" bIns="45720" rtlCol="0" anchor="b"/>
+          <a:lstStyle>
+            <a:lvl1pPr algn="l">
+              <a:defRPr sz="1200"/>
+            </a:lvl1pPr>
+          </a:lstStyle>
+          <a:p>
+            <a:endParaRPr lang="ru-RU"/>
+          </a:p>
+        </p:txBody>
+      </p:sp>
+      <p:sp>
+        <p:nvSpPr>
+          <p:cNvPr id="7" name="Номер слайда 6"/>
+          <p:cNvSpPr>
+            <a:spLocks noGrp="1"/>
+          </p:cNvSpPr>
+          <p:nvPr>
+            <p:ph type="sldNum" sz="quarter" idx="5"/>
+          </p:nvPr>
+        </p:nvSpPr>
+        <p:spPr>
+          <a:xfrm>
+            <a:off x="3884613" y="8685213"/>
+            <a:ext cx="2971800" cy="457200"/>
+          </a:xfrm>
+          <a:prstGeom prst="rect">
+            <a:avLst/>
+          </a:prstGeom>
+        </p:spPr>
+        <p:txBody>
+          <a:bodyPr vert="horz" lIns="91440" tIns="45720" rIns="91440" bIns="45720" rtlCol="0" anchor="b"/>
+          <a:lstStyle>
+            <a:lvl1pPr algn="r">
+              <a:defRPr sz="1200"/>
+            </a:lvl1pPr>
+          </a:lstStyle>
+          <a:p>
+            <a:fld id="{D35BE214-67FA-40A4-AE1E-6E9787E87E98}" type="slidenum">
+              <a:rPr lang="ru-RU" smtClean="0"/>
+              <a:pPr/>
+              <a:t>‹#›</a:t>
+            </a:fld>
+            <a:endParaRPr lang="ru-RU"/>
+          </a:p>
+        </p:txBody>
+      </p:sp>
+    </p:spTree>
+  </p:cSld>
+  <p:clrMap bg1="lt1" tx1="dk1" bg2="lt2" tx2="dk2" accent1="accent1" accent2="accent2" accent3="accent3" accent4="accent4" accent5="accent5" accent6="accent6" hlink="hlink" folHlink="folHlink"/>
+  <p:notesStyle>
+    <a:lvl1pPr marL="0" algn="l" defTabSz="914400" rtl="0" eaLnBrk="1" latinLnBrk="0" hangingPunct="1">
+      <a:defRPr sz="1200" kern="1200">
+        <a:solidFill>
+          <a:schemeClr val="tx1"/>
+        </a:solidFill>
+        <a:latin typeface="+mn-lt"/>
+        <a:ea typeface="+mn-ea"/>
+        <a:cs typeface="+mn-cs"/>
+      </a:defRPr>
+    </a:lvl1pPr>
+    <a:lvl2pPr marL="457200" algn="l" defTabSz="914400" rtl="0" eaLnBrk="1" latinLnBrk="0" hangingPunct="1">
+      <a:defRPr sz="1200" kern="1200">
+        <a:solidFill>
+          <a:schemeClr val="tx1"/>
+        </a:solidFill>
+        <a:latin typeface="+mn-lt"/>
+        <a:ea typeface="+mn-ea"/>
+        <a:cs typeface="+mn-cs"/>
+      </a:defRPr>
+    </a:lvl2pPr>
+    <a:lvl3pPr marL="914400" algn="l" defTabSz="914400" rtl="0" eaLnBrk="1" latinLnBrk="0" hangingPunct="1">
+      <a:defRPr sz="1200" kern="1200">
+        <a:solidFill>
+          <a:schemeClr val="tx1"/>
+        </a:solidFill>
+        <a:latin typeface="+mn-lt"/>
+        <a:ea typeface="+mn-ea"/>
+        <a:cs typeface="+mn-cs"/>
+      </a:defRPr>
+    </a:lvl3pPr>
+    <a:lvl4pPr marL="1371600" algn="l" defTabSz="914400" rtl="0" eaLnBrk="1" latinLnBrk="0" hangingPunct="1">
+      <a:defRPr sz="1200" kern="1200">
+        <a:solidFill>
+          <a:schemeClr val="tx1"/>
+        </a:solidFill>
+        <a:latin typeface="+mn-lt"/>
+        <a:ea typeface="+mn-ea"/>
+        <a:cs typeface="+mn-cs"/>
+      </a:defRPr>
+    </a:lvl4pPr>
+    <a:lvl5pPr marL="1828800" algn="l" defTabSz="914400" rtl="0" eaLnBrk="1" latinLnBrk="0" hangingPunct="1">
+      <a:defRPr sz="1200" kern="1200">
+        <a:solidFill>
+          <a:schemeClr val="tx1"/>
+        </a:solidFill>
+        <a:latin typeface="+mn-lt"/>
+        <a:ea typeface="+mn-ea"/>
+        <a:cs typeface="+mn-cs"/>
+      </a:defRPr>
+    </a:lvl5pPr>
+    <a:lvl6pPr marL="2286000" algn="l" defTabSz="914400" rtl="0" eaLnBrk="1" latinLnBrk="0" hangingPunct="1">
+      <a:defRPr sz="1200" kern="1200">
+        <a:solidFill>
+          <a:schemeClr val="tx1"/>
+        </a:solidFill>
+        <a:latin typeface="+mn-lt"/>
+        <a:ea typeface="+mn-ea"/>
+        <a:cs typeface="+mn-cs"/>
+      </a:defRPr>
+    </a:lvl6pPr>
+    <a:lvl7pPr marL="2743200" algn="l" defTabSz="914400" rtl="0" eaLnBrk="1" latinLnBrk="0" hangingPunct="1">
+      <a:defRPr sz="1200" kern="1200">
+        <a:solidFill>
+          <a:schemeClr val="tx1"/>
+        </a:solidFill>
+        <a:latin typeface="+mn-lt"/>
+        <a:ea typeface="+mn-ea"/>
+        <a:cs typeface="+mn-cs"/>
+      </a:defRPr>
+    </a:lvl7pPr>
+    <a:lvl8pPr marL="3200400" algn="l" defTabSz="914400" rtl="0" eaLnBrk="1" latinLnBrk="0" hangingPunct="1">
+      <a:defRPr sz="1200" kern="1200">
+        <a:solidFill>
+          <a:schemeClr val="tx1"/>
+        </a:solidFill>
+        <a:latin typeface="+mn-lt"/>
+        <a:ea typeface="+mn-ea"/>
+        <a:cs typeface="+mn-cs"/>
+      </a:defRPr>
+    </a:lvl8pPr>
+    <a:lvl9pPr marL="3657600" algn="l" defTabSz="914400" rtl="0" eaLnBrk="1" latinLnBrk="0" hangingPunct="1">
+      <a:defRPr sz="1200" kern="1200">
+        <a:solidFill>
+          <a:schemeClr val="tx1"/>
+        </a:solidFill>
+        <a:latin typeface="+mn-lt"/>
+        <a:ea typeface="+mn-ea"/>
+        <a:cs typeface="+mn-cs"/>
+      </a:defRPr>
+    </a:lvl9pPr>
+  </p:notesStyle>
+</p:notesMaster>
+</file>
+
+<file path=ppt/notesSlides/notesSlide1.xml><?xml version="1.0" encoding="utf-8"?>
+<p:notes xmlns:a="http://schemas.openxmlformats.org/drawingml/2006/main" xmlns:r="http://schemas.openxmlformats.org/officeDocument/2006/relationships" xmlns:p="http://schemas.openxmlformats.org/presentationml/2006/main">
+  <p:cSld>
+    <p:spTree>
+      <p:nvGrpSpPr>
+        <p:cNvPr id="1" name=""/>
+        <p:cNvGrpSpPr/>
+        <p:nvPr/>
+      </p:nvGrpSpPr>
+      <p:grpSpPr>
+        <a:xfrm>
+          <a:off x="0" y="0"/>
+          <a:ext cx="0" cy="0"/>
+          <a:chOff x="0" y="0"/>
+          <a:chExt cx="0" cy="0"/>
+        </a:xfrm>
+      </p:grpSpPr>
+      <p:sp>
+        <p:nvSpPr>
+          <p:cNvPr id="2" name="Образ слайда 1"/>
+          <p:cNvSpPr>
+            <a:spLocks noGrp="1" noRot="1" noChangeAspect="1"/>
+          </p:cNvSpPr>
+          <p:nvPr>
+            <p:ph type="sldImg"/>
+          </p:nvPr>
+        </p:nvSpPr>
+        <p:spPr/>
+      </p:sp>
+      <p:sp>
+        <p:nvSpPr>
+          <p:cNvPr id="3" name="Заметки 2"/>
+          <p:cNvSpPr>
+            <a:spLocks noGrp="1"/>
+          </p:cNvSpPr>
+          <p:nvPr>
+            <p:ph type="body" idx="1"/>
+          </p:nvPr>
+        </p:nvSpPr>
+        <p:spPr/>
+        <p:txBody>
+          <a:bodyPr>
+            <a:normAutofit/>
+          </a:bodyPr>
+          <a:lstStyle/>
+          <a:p>
+            <a:r>
+              <a:rPr lang="ru-RU" dirty="0" smtClean="0"/>
+              <a:t>Библиотека</a:t>
+            </a:r>
+            <a:r>
+              <a:rPr lang="ru-RU" baseline="0" dirty="0" smtClean="0"/>
+              <a:t> для работы с </a:t>
+            </a:r>
+            <a:r>
+              <a:rPr lang="ru-RU" baseline="0" dirty="0" err="1" smtClean="0"/>
+              <a:t>экселем</a:t>
+            </a:r>
+            <a:r>
+              <a:rPr lang="ru-RU" baseline="0" dirty="0" smtClean="0"/>
+              <a:t> через </a:t>
+            </a:r>
+            <a:r>
+              <a:rPr lang="ru-RU" baseline="0" dirty="0" err="1" smtClean="0"/>
+              <a:t>сишарп</a:t>
+            </a:r>
+            <a:endParaRPr lang="ru-RU" dirty="0"/>
+          </a:p>
+        </p:txBody>
+      </p:sp>
+      <p:sp>
+        <p:nvSpPr>
+          <p:cNvPr id="4" name="Номер слайда 3"/>
+          <p:cNvSpPr>
+            <a:spLocks noGrp="1"/>
+          </p:cNvSpPr>
+          <p:nvPr>
+            <p:ph type="sldNum" sz="quarter" idx="10"/>
+          </p:nvPr>
+        </p:nvSpPr>
+        <p:spPr/>
+        <p:txBody>
+          <a:bodyPr/>
+          <a:lstStyle/>
+          <a:p>
+            <a:fld id="{D35BE214-67FA-40A4-AE1E-6E9787E87E98}" type="slidenum">
+              <a:rPr lang="ru-RU" smtClean="0"/>
+              <a:pPr/>
+              <a:t>12</a:t>
+            </a:fld>
+            <a:endParaRPr lang="ru-RU"/>
+          </a:p>
+        </p:txBody>
+      </p:sp>
+    </p:spTree>
+  </p:cSld>
+  <p:clrMapOvr>
+    <a:masterClrMapping/>
+  </p:clrMapOvr>
+</p:notes>
 </file>
 
 <file path=ppt/slideLayouts/slideLayout1.xml><?xml version="1.0" encoding="utf-8"?>
@@ -4644,7 +5101,7 @@
       </p:grpSpPr>
       <p:sp>
         <p:nvSpPr>
-          <p:cNvPr id="3" name="Содержимое 2"/>
+          <p:cNvPr id="2" name="Объект 1"/>
           <p:cNvSpPr>
             <a:spLocks noGrp="1"/>
           </p:cNvSpPr>
@@ -4652,6 +5109,107 @@
             <p:ph idx="1"/>
           </p:nvPr>
         </p:nvSpPr>
+        <p:spPr>
+          <a:xfrm>
+            <a:off x="457200" y="1481328"/>
+            <a:ext cx="4258816" cy="4525963"/>
+          </a:xfrm>
+        </p:spPr>
+        <p:txBody>
+          <a:bodyPr>
+            <a:normAutofit fontScale="92500"/>
+          </a:bodyPr>
+          <a:lstStyle/>
+          <a:p>
+            <a:r>
+              <a:rPr lang="ru-RU" dirty="0" smtClean="0"/>
+              <a:t>Тест на работу с другими файловыми расширениями: </a:t>
+            </a:r>
+            <a:r>
+              <a:rPr lang="ru-RU" dirty="0"/>
+              <a:t>.</a:t>
+            </a:r>
+            <a:r>
+              <a:rPr lang="ru-RU" dirty="0" err="1" smtClean="0"/>
+              <a:t>doc</a:t>
+            </a:r>
+            <a:r>
+              <a:rPr lang="ru-RU" dirty="0" smtClean="0"/>
+              <a:t>, </a:t>
+            </a:r>
+            <a:r>
+              <a:rPr lang="ru-RU" dirty="0"/>
+              <a:t>.</a:t>
+            </a:r>
+            <a:r>
+              <a:rPr lang="en-US" dirty="0" err="1"/>
+              <a:t>mp</a:t>
+            </a:r>
+            <a:r>
+              <a:rPr lang="ru-RU" dirty="0"/>
+              <a:t>4, .</a:t>
+            </a:r>
+            <a:r>
+              <a:rPr lang="en-US" dirty="0" smtClean="0"/>
+              <a:t>exe</a:t>
+            </a:r>
+            <a:r>
+              <a:rPr lang="ru-RU" dirty="0" smtClean="0"/>
+              <a:t>:</a:t>
+            </a:r>
+            <a:endParaRPr lang="ru-RU" dirty="0"/>
+          </a:p>
+          <a:p>
+            <a:r>
+              <a:rPr lang="ru-RU" dirty="0"/>
+              <a:t>Ожидаемый результат</a:t>
+            </a:r>
+            <a:r>
+              <a:rPr lang="ru-RU" dirty="0" smtClean="0"/>
+              <a:t>:</a:t>
+            </a:r>
+            <a:r>
+              <a:rPr lang="en-US" dirty="0" smtClean="0"/>
+              <a:t> </a:t>
+            </a:r>
+            <a:r>
+              <a:rPr lang="ru-RU" dirty="0"/>
+              <a:t>Файлы будут </a:t>
+            </a:r>
+            <a:r>
+              <a:rPr lang="ru-RU" dirty="0" smtClean="0"/>
+              <a:t>проигнорированы</a:t>
+            </a:r>
+            <a:r>
+              <a:rPr lang="en-US" dirty="0"/>
+              <a:t>.</a:t>
+            </a:r>
+            <a:endParaRPr lang="en-US" dirty="0" smtClean="0"/>
+          </a:p>
+          <a:p>
+            <a:r>
+              <a:rPr lang="ru-RU" dirty="0" smtClean="0"/>
+              <a:t>Полученный результат: Файлы были проигнорированы.</a:t>
+            </a:r>
+          </a:p>
+          <a:p>
+            <a:endParaRPr lang="ru-RU" dirty="0"/>
+          </a:p>
+          <a:p>
+            <a:endParaRPr lang="ru-RU" dirty="0"/>
+          </a:p>
+        </p:txBody>
+      </p:sp>
+      <p:sp>
+        <p:nvSpPr>
+          <p:cNvPr id="3" name="Заголовок 2"/>
+          <p:cNvSpPr>
+            <a:spLocks noGrp="1"/>
+          </p:cNvSpPr>
+          <p:nvPr>
+            <p:ph type="title"/>
+          </p:nvPr>
+        </p:nvSpPr>
         <p:spPr/>
         <p:txBody>
           <a:bodyPr/>
@@ -4659,46 +5217,141 @@
           <a:p>
             <a:r>
               <a:rPr lang="ru-RU" dirty="0" smtClean="0"/>
-              <a:t>Предполагается доработать программу, до возможности обработки не всех файлов в папке, а лишь те что укажет пользователь</a:t>
-            </a:r>
-            <a:r>
-              <a:rPr lang="ru-RU" dirty="0" smtClean="0"/>
-              <a:t>.</a:t>
-            </a:r>
-          </a:p>
-          <a:p>
-            <a:r>
-              <a:rPr lang="ru-RU" dirty="0" smtClean="0"/>
-              <a:t>Добавить возможность авто исправления простых ошибок.</a:t>
-            </a:r>
-            <a:endParaRPr lang="ru-RU" dirty="0" smtClean="0"/>
-          </a:p>
-        </p:txBody>
-      </p:sp>
-      <p:sp>
-        <p:nvSpPr>
-          <p:cNvPr id="2" name="Заголовок 1"/>
-          <p:cNvSpPr>
-            <a:spLocks noGrp="1"/>
-          </p:cNvSpPr>
-          <p:nvPr>
-            <p:ph type="title"/>
-          </p:nvPr>
-        </p:nvSpPr>
-        <p:spPr/>
-        <p:txBody>
-          <a:bodyPr/>
-          <a:lstStyle/>
-          <a:p>
-            <a:r>
-              <a:rPr lang="ru-RU" dirty="0" smtClean="0"/>
-              <a:t>Планы на будущее</a:t>
+              <a:t>Ручное тестирование</a:t>
             </a:r>
             <a:endParaRPr lang="ru-RU" dirty="0"/>
           </a:p>
         </p:txBody>
       </p:sp>
+      <p:pic>
+        <p:nvPicPr>
+          <p:cNvPr id="1027" name="Picture 3"/>
+          <p:cNvPicPr>
+            <a:picLocks noChangeAspect="1" noChangeArrowheads="1"/>
+          </p:cNvPicPr>
+          <p:nvPr/>
+        </p:nvPicPr>
+        <p:blipFill>
+          <a:blip r:embed="rId2" cstate="print"/>
+          <a:srcRect l="10808" t="27018" r="64150" b="49965"/>
+          <a:stretch>
+            <a:fillRect/>
+          </a:stretch>
+        </p:blipFill>
+        <p:spPr bwMode="auto">
+          <a:xfrm>
+            <a:off x="4932040" y="1412776"/>
+            <a:ext cx="3950334" cy="2376264"/>
+          </a:xfrm>
+          <a:prstGeom prst="rect">
+            <a:avLst/>
+          </a:prstGeom>
+          <a:noFill/>
+          <a:ln w="9525">
+            <a:noFill/>
+            <a:miter lim="800000"/>
+            <a:headEnd/>
+            <a:tailEnd/>
+          </a:ln>
+        </p:spPr>
+      </p:pic>
+      <p:sp>
+        <p:nvSpPr>
+          <p:cNvPr id="8" name="Объект 1"/>
+          <p:cNvSpPr txBox="1">
+            <a:spLocks/>
+          </p:cNvSpPr>
+          <p:nvPr/>
+        </p:nvSpPr>
+        <p:spPr>
+          <a:xfrm>
+            <a:off x="4932040" y="3933056"/>
+            <a:ext cx="4007296" cy="2304256"/>
+          </a:xfrm>
+          <a:prstGeom prst="rect">
+            <a:avLst/>
+          </a:prstGeom>
+        </p:spPr>
+        <p:txBody>
+          <a:bodyPr vert="horz">
+            <a:normAutofit fontScale="92500" lnSpcReduction="20000"/>
+          </a:bodyPr>
+          <a:lstStyle/>
+          <a:p>
+            <a:pPr marR="0" lvl="0" algn="l" defTabSz="914400" rtl="0" eaLnBrk="1" fontAlgn="auto" latinLnBrk="0" hangingPunct="1">
+              <a:lnSpc>
+                <a:spcPct val="100000"/>
+              </a:lnSpc>
+              <a:spcBef>
+                <a:spcPts val="400"/>
+              </a:spcBef>
+              <a:spcAft>
+                <a:spcPts val="0"/>
+              </a:spcAft>
+              <a:buClr>
+                <a:schemeClr val="accent1"/>
+              </a:buClr>
+              <a:buSzPct val="68000"/>
+              <a:tabLst/>
+              <a:defRPr/>
+            </a:pPr>
+            <a:r>
+              <a:rPr kumimoji="0" lang="ru-RU" sz="2700" b="0" i="0" u="none" strike="noStrike" kern="1200" cap="none" spc="0" normalizeH="0" baseline="0" noProof="0" dirty="0" smtClean="0">
+                <a:ln>
+                  <a:noFill/>
+                </a:ln>
+                <a:solidFill>
+                  <a:schemeClr val="tx1"/>
+                </a:solidFill>
+                <a:effectLst/>
+                <a:uLnTx/>
+                <a:uFillTx/>
+                <a:latin typeface="+mn-lt"/>
+                <a:ea typeface="+mn-ea"/>
+                <a:cs typeface="+mn-cs"/>
+              </a:rPr>
+              <a:t>Данные расширения были</a:t>
+            </a:r>
+            <a:r>
+              <a:rPr kumimoji="0" lang="ru-RU" sz="2700" b="0" i="0" u="none" strike="noStrike" kern="1200" cap="none" spc="0" normalizeH="0" noProof="0" dirty="0" smtClean="0">
+                <a:ln>
+                  <a:noFill/>
+                </a:ln>
+                <a:solidFill>
+                  <a:schemeClr val="tx1"/>
+                </a:solidFill>
+                <a:effectLst/>
+                <a:uLnTx/>
+                <a:uFillTx/>
+                <a:latin typeface="+mn-lt"/>
+                <a:ea typeface="+mn-ea"/>
+                <a:cs typeface="+mn-cs"/>
+              </a:rPr>
+              <a:t> выбраны как самые, распространенные в своей области- текстовый документ, музыка, файлы запуска.</a:t>
+            </a:r>
+            <a:endParaRPr kumimoji="0" lang="ru-RU" sz="2700" b="0" i="0" u="none" strike="noStrike" kern="1200" cap="none" spc="0" normalizeH="0" baseline="0" noProof="0" dirty="0">
+              <a:ln>
+                <a:noFill/>
+              </a:ln>
+              <a:solidFill>
+                <a:schemeClr val="tx1"/>
+              </a:solidFill>
+              <a:effectLst/>
+              <a:uLnTx/>
+              <a:uFillTx/>
+              <a:latin typeface="+mn-lt"/>
+              <a:ea typeface="+mn-ea"/>
+              <a:cs typeface="+mn-cs"/>
+            </a:endParaRPr>
+          </a:p>
+        </p:txBody>
+      </p:sp>
     </p:spTree>
+    <p:extLst>
+      <p:ext uri="{BB962C8B-B14F-4D97-AF65-F5344CB8AC3E}">
+        <p14:creationId xmlns:p14="http://schemas.microsoft.com/office/powerpoint/2010/main" xmlns="" val="4026269993"/>
+      </p:ext>
+    </p:extLst>
   </p:cSld>
   <p:clrMapOvr>
     <a:masterClrMapping/>
@@ -4732,6 +5385,365 @@
       </p:grpSpPr>
       <p:sp>
         <p:nvSpPr>
+          <p:cNvPr id="2" name="Объект 1"/>
+          <p:cNvSpPr>
+            <a:spLocks noGrp="1"/>
+          </p:cNvSpPr>
+          <p:nvPr>
+            <p:ph idx="1"/>
+          </p:nvPr>
+        </p:nvSpPr>
+        <p:spPr/>
+        <p:txBody>
+          <a:bodyPr/>
+          <a:lstStyle/>
+          <a:p>
+            <a:r>
+              <a:rPr lang="ru-RU" dirty="0" smtClean="0"/>
+              <a:t>Тест на запуск двух и </a:t>
+            </a:r>
+            <a:r>
+              <a:rPr lang="ru-RU" dirty="0" smtClean="0"/>
+              <a:t>более </a:t>
+            </a:r>
+            <a:r>
+              <a:rPr lang="ru-RU" dirty="0" smtClean="0"/>
+              <a:t>программ одновременно:</a:t>
+            </a:r>
+            <a:endParaRPr lang="ru-RU" dirty="0"/>
+          </a:p>
+          <a:p>
+            <a:r>
+              <a:rPr lang="ru-RU" dirty="0"/>
+              <a:t>Ожидаемый результат</a:t>
+            </a:r>
+            <a:r>
+              <a:rPr lang="ru-RU" dirty="0" smtClean="0"/>
+              <a:t>: Стабильная работа.</a:t>
+            </a:r>
+          </a:p>
+          <a:p>
+            <a:r>
+              <a:rPr lang="ru-RU" dirty="0" smtClean="0"/>
+              <a:t>Полученный результат: Стабильная работа, но скорость проверки уменьшается.</a:t>
+            </a:r>
+            <a:endParaRPr lang="ru-RU" dirty="0"/>
+          </a:p>
+          <a:p>
+            <a:endParaRPr lang="ru-RU" dirty="0"/>
+          </a:p>
+        </p:txBody>
+      </p:sp>
+      <p:sp>
+        <p:nvSpPr>
+          <p:cNvPr id="3" name="Заголовок 2"/>
+          <p:cNvSpPr>
+            <a:spLocks noGrp="1"/>
+          </p:cNvSpPr>
+          <p:nvPr>
+            <p:ph type="title"/>
+          </p:nvPr>
+        </p:nvSpPr>
+        <p:spPr/>
+        <p:txBody>
+          <a:bodyPr/>
+          <a:lstStyle/>
+          <a:p>
+            <a:r>
+              <a:rPr lang="ru-RU" dirty="0" smtClean="0"/>
+              <a:t>Ручное тестирование</a:t>
+            </a:r>
+            <a:endParaRPr lang="ru-RU" dirty="0"/>
+          </a:p>
+        </p:txBody>
+      </p:sp>
+      <p:pic>
+        <p:nvPicPr>
+          <p:cNvPr id="5123" name="Picture 3"/>
+          <p:cNvPicPr>
+            <a:picLocks noChangeAspect="1" noChangeArrowheads="1"/>
+          </p:cNvPicPr>
+          <p:nvPr/>
+        </p:nvPicPr>
+        <p:blipFill>
+          <a:blip r:embed="rId2" cstate="print"/>
+          <a:srcRect l="9741" t="18500" r="34741" b="33200"/>
+          <a:stretch>
+            <a:fillRect/>
+          </a:stretch>
+        </p:blipFill>
+        <p:spPr bwMode="auto">
+          <a:xfrm>
+            <a:off x="1691680" y="3717032"/>
+            <a:ext cx="5904656" cy="2889513"/>
+          </a:xfrm>
+          <a:prstGeom prst="rect">
+            <a:avLst/>
+          </a:prstGeom>
+          <a:ln>
+            <a:solidFill>
+              <a:schemeClr val="tx1"/>
+            </a:solidFill>
+          </a:ln>
+          <a:effectLst>
+            <a:outerShdw blurRad="292100" dist="139700" dir="2700000" algn="tl" rotWithShape="0">
+              <a:srgbClr val="333333">
+                <a:alpha val="65000"/>
+              </a:srgbClr>
+            </a:outerShdw>
+          </a:effectLst>
+        </p:spPr>
+      </p:pic>
+    </p:spTree>
+    <p:extLst>
+      <p:ext uri="{BB962C8B-B14F-4D97-AF65-F5344CB8AC3E}">
+        <p14:creationId xmlns:p14="http://schemas.microsoft.com/office/powerpoint/2010/main" xmlns="" val="708954501"/>
+      </p:ext>
+    </p:extLst>
+  </p:cSld>
+  <p:clrMapOvr>
+    <a:masterClrMapping/>
+  </p:clrMapOvr>
+  <p:timing>
+    <p:tnLst>
+      <p:par>
+        <p:cTn id="1" dur="indefinite" restart="never" nodeType="tmRoot"/>
+      </p:par>
+    </p:tnLst>
+  </p:timing>
+</p:sld>
+</file>
+
+<file path=ppt/slides/slide12.xml><?xml version="1.0" encoding="utf-8"?>
+<p:sld xmlns:a="http://schemas.openxmlformats.org/drawingml/2006/main" xmlns:r="http://schemas.openxmlformats.org/officeDocument/2006/relationships" xmlns:p="http://schemas.openxmlformats.org/presentationml/2006/main">
+  <p:cSld>
+    <p:spTree>
+      <p:nvGrpSpPr>
+        <p:cNvPr id="1" name=""/>
+        <p:cNvGrpSpPr/>
+        <p:nvPr/>
+      </p:nvGrpSpPr>
+      <p:grpSpPr>
+        <a:xfrm>
+          <a:off x="0" y="0"/>
+          <a:ext cx="0" cy="0"/>
+          <a:chOff x="0" y="0"/>
+          <a:chExt cx="0" cy="0"/>
+        </a:xfrm>
+      </p:grpSpPr>
+      <p:sp>
+        <p:nvSpPr>
+          <p:cNvPr id="2" name="Содержимое 1"/>
+          <p:cNvSpPr>
+            <a:spLocks noGrp="1"/>
+          </p:cNvSpPr>
+          <p:nvPr>
+            <p:ph idx="1"/>
+          </p:nvPr>
+        </p:nvSpPr>
+        <p:spPr>
+          <a:xfrm>
+            <a:off x="457200" y="1481329"/>
+            <a:ext cx="8435280" cy="1947672"/>
+          </a:xfrm>
+        </p:spPr>
+        <p:txBody>
+          <a:bodyPr>
+            <a:normAutofit/>
+          </a:bodyPr>
+          <a:lstStyle/>
+          <a:p>
+            <a:pPr marL="109728" indent="0">
+              <a:buNone/>
+            </a:pPr>
+            <a:r>
+              <a:rPr lang="ru-RU" dirty="0" smtClean="0"/>
+              <a:t>Во время работы над курсовой работой, были изучены:</a:t>
+            </a:r>
+          </a:p>
+          <a:p>
+            <a:r>
+              <a:rPr lang="ru-RU" dirty="0" smtClean="0"/>
+              <a:t> система контроля версий – </a:t>
+            </a:r>
+            <a:r>
+              <a:rPr lang="ru-RU" dirty="0" err="1" smtClean="0"/>
+              <a:t>GitHub</a:t>
+            </a:r>
+            <a:endParaRPr lang="ru-RU" dirty="0" smtClean="0"/>
+          </a:p>
+          <a:p>
+            <a:r>
+              <a:rPr lang="ru-RU" dirty="0" smtClean="0"/>
+              <a:t> библиотека </a:t>
+            </a:r>
+            <a:r>
+              <a:rPr lang="en-US" dirty="0" err="1" smtClean="0"/>
+              <a:t>Microsoft.Office.Interop.Excel</a:t>
+            </a:r>
+            <a:endParaRPr lang="ru-RU" dirty="0"/>
+          </a:p>
+        </p:txBody>
+      </p:sp>
+      <p:sp>
+        <p:nvSpPr>
+          <p:cNvPr id="3" name="Заголовок 2"/>
+          <p:cNvSpPr>
+            <a:spLocks noGrp="1"/>
+          </p:cNvSpPr>
+          <p:nvPr>
+            <p:ph type="title"/>
+          </p:nvPr>
+        </p:nvSpPr>
+        <p:spPr/>
+        <p:txBody>
+          <a:bodyPr/>
+          <a:lstStyle/>
+          <a:p>
+            <a:r>
+              <a:rPr lang="ru-RU" dirty="0" smtClean="0"/>
+              <a:t>Освоенные технологии</a:t>
+            </a:r>
+            <a:endParaRPr lang="ru-RU" dirty="0"/>
+          </a:p>
+        </p:txBody>
+      </p:sp>
+      <p:pic>
+        <p:nvPicPr>
+          <p:cNvPr id="5122" name="Picture 2" descr="C:\Users\Kosty\Downloads\git.png"/>
+          <p:cNvPicPr>
+            <a:picLocks noChangeAspect="1" noChangeArrowheads="1"/>
+          </p:cNvPicPr>
+          <p:nvPr/>
+        </p:nvPicPr>
+        <p:blipFill>
+          <a:blip r:embed="rId3" cstate="print"/>
+          <a:srcRect/>
+          <a:stretch>
+            <a:fillRect/>
+          </a:stretch>
+        </p:blipFill>
+        <p:spPr bwMode="auto">
+          <a:xfrm>
+            <a:off x="2339752" y="3789040"/>
+            <a:ext cx="4157985" cy="2402391"/>
+          </a:xfrm>
+          <a:prstGeom prst="rect">
+            <a:avLst/>
+          </a:prstGeom>
+          <a:noFill/>
+        </p:spPr>
+      </p:pic>
+    </p:spTree>
+  </p:cSld>
+  <p:clrMapOvr>
+    <a:masterClrMapping/>
+  </p:clrMapOvr>
+</p:sld>
+</file>
+
+<file path=ppt/slides/slide13.xml><?xml version="1.0" encoding="utf-8"?>
+<p:sld xmlns:a="http://schemas.openxmlformats.org/drawingml/2006/main" xmlns:r="http://schemas.openxmlformats.org/officeDocument/2006/relationships" xmlns:p="http://schemas.openxmlformats.org/presentationml/2006/main">
+  <p:cSld>
+    <p:spTree>
+      <p:nvGrpSpPr>
+        <p:cNvPr id="1" name=""/>
+        <p:cNvGrpSpPr/>
+        <p:nvPr/>
+      </p:nvGrpSpPr>
+      <p:grpSpPr>
+        <a:xfrm>
+          <a:off x="0" y="0"/>
+          <a:ext cx="0" cy="0"/>
+          <a:chOff x="0" y="0"/>
+          <a:chExt cx="0" cy="0"/>
+        </a:xfrm>
+      </p:grpSpPr>
+      <p:sp>
+        <p:nvSpPr>
+          <p:cNvPr id="3" name="Содержимое 2"/>
+          <p:cNvSpPr>
+            <a:spLocks noGrp="1"/>
+          </p:cNvSpPr>
+          <p:nvPr>
+            <p:ph idx="1"/>
+          </p:nvPr>
+        </p:nvSpPr>
+        <p:spPr/>
+        <p:txBody>
+          <a:bodyPr/>
+          <a:lstStyle/>
+          <a:p>
+            <a:r>
+              <a:rPr lang="ru-RU" dirty="0" smtClean="0"/>
+              <a:t>Разработать новый интерфейс программы</a:t>
+            </a:r>
+          </a:p>
+          <a:p>
+            <a:r>
+              <a:rPr lang="ru-RU" dirty="0" smtClean="0"/>
+              <a:t>Добавить функцию проверки на обработку файлов с одинаковым именем.</a:t>
+            </a:r>
+          </a:p>
+        </p:txBody>
+      </p:sp>
+      <p:sp>
+        <p:nvSpPr>
+          <p:cNvPr id="2" name="Заголовок 1"/>
+          <p:cNvSpPr>
+            <a:spLocks noGrp="1"/>
+          </p:cNvSpPr>
+          <p:nvPr>
+            <p:ph type="title"/>
+          </p:nvPr>
+        </p:nvSpPr>
+        <p:spPr/>
+        <p:txBody>
+          <a:bodyPr/>
+          <a:lstStyle/>
+          <a:p>
+            <a:r>
+              <a:rPr lang="ru-RU" dirty="0" smtClean="0"/>
+              <a:t>Планы на будущее</a:t>
+            </a:r>
+            <a:endParaRPr lang="ru-RU" dirty="0"/>
+          </a:p>
+        </p:txBody>
+      </p:sp>
+    </p:spTree>
+  </p:cSld>
+  <p:clrMapOvr>
+    <a:masterClrMapping/>
+  </p:clrMapOvr>
+  <p:timing>
+    <p:tnLst>
+      <p:par>
+        <p:cTn id="1" dur="indefinite" restart="never" nodeType="tmRoot"/>
+      </p:par>
+    </p:tnLst>
+  </p:timing>
+</p:sld>
+</file>
+
+<file path=ppt/slides/slide14.xml><?xml version="1.0" encoding="utf-8"?>
+<p:sld xmlns:a="http://schemas.openxmlformats.org/drawingml/2006/main" xmlns:r="http://schemas.openxmlformats.org/officeDocument/2006/relationships" xmlns:p="http://schemas.openxmlformats.org/presentationml/2006/main">
+  <p:cSld>
+    <p:spTree>
+      <p:nvGrpSpPr>
+        <p:cNvPr id="1" name=""/>
+        <p:cNvGrpSpPr/>
+        <p:nvPr/>
+      </p:nvGrpSpPr>
+      <p:grpSpPr>
+        <a:xfrm>
+          <a:off x="0" y="0"/>
+          <a:ext cx="0" cy="0"/>
+          <a:chOff x="0" y="0"/>
+          <a:chExt cx="0" cy="0"/>
+        </a:xfrm>
+      </p:grpSpPr>
+      <p:sp>
+        <p:nvSpPr>
           <p:cNvPr id="2" name="Заголовок 1"/>
           <p:cNvSpPr>
             <a:spLocks noGrp="1"/>
@@ -4753,7 +5765,7 @@
             <a:pPr algn="ctr"/>
             <a:r>
               <a:rPr lang="ru-RU" dirty="0" smtClean="0"/>
-              <a:t>Спасибо за внимание</a:t>
+              <a:t>Спасибо за внимание!</a:t>
             </a:r>
             <a:endParaRPr lang="ru-RU" dirty="0"/>
           </a:p>
@@ -4839,26 +5851,24 @@
           <a:p>
             <a:r>
               <a:rPr lang="ru-RU" dirty="0" smtClean="0"/>
-              <a:t>Научится делать приложения на языке </a:t>
-            </a:r>
-            <a:r>
-              <a:rPr lang="en-US" dirty="0" smtClean="0"/>
-              <a:t>C#</a:t>
+              <a:t>Научиться разрабатывать </a:t>
             </a:r>
             <a:r>
               <a:rPr lang="ru-RU" dirty="0" smtClean="0"/>
-              <a:t>, взаимодействующие с программами типа </a:t>
-            </a:r>
-            <a:r>
-              <a:rPr lang="en-US" dirty="0" smtClean="0"/>
+              <a:t>приложение </a:t>
+            </a:r>
+            <a:r>
+              <a:rPr lang="ru-RU" dirty="0" smtClean="0"/>
+              <a:t>на языке C#, которое взаимодействует с файлами </a:t>
+            </a:r>
+            <a:r>
+              <a:rPr lang="ru-RU" dirty="0" err="1" smtClean="0"/>
               <a:t>Excel</a:t>
             </a:r>
             <a:r>
               <a:rPr lang="ru-RU" dirty="0" smtClean="0"/>
-              <a:t> и обрабатывать находящиеся в них данные.</a:t>
-            </a:r>
-          </a:p>
-          <a:p>
+              <a:t> и обрабатывает, содержащиеся данные.</a:t>
+            </a:r>
             <a:endParaRPr lang="ru-RU" dirty="0"/>
           </a:p>
         </p:txBody>
@@ -4937,13 +5947,13 @@
           <a:p>
             <a:r>
               <a:rPr lang="ru-RU" dirty="0" smtClean="0"/>
-              <a:t>Создать Техническое задание.</a:t>
+              <a:t>Разработать техническое задание.</a:t>
             </a:r>
           </a:p>
           <a:p>
             <a:r>
               <a:rPr lang="ru-RU" dirty="0" smtClean="0"/>
-              <a:t>Написать программу для проверки данных в </a:t>
+              <a:t>Разработать программу для проверки данных в </a:t>
             </a:r>
             <a:r>
               <a:rPr lang="en-US" dirty="0" smtClean="0"/>
@@ -4957,13 +5967,13 @@
           <a:p>
             <a:r>
               <a:rPr lang="ru-RU" dirty="0" smtClean="0"/>
-              <a:t>Протестировать программу.</a:t>
+              <a:t>Разработать кейс тесты.</a:t>
             </a:r>
           </a:p>
           <a:p>
             <a:r>
               <a:rPr lang="ru-RU" dirty="0" smtClean="0"/>
-              <a:t>Написать документацию к программе</a:t>
+              <a:t>Разработать документацию к программе</a:t>
             </a:r>
             <a:r>
               <a:rPr lang="ru-RU" dirty="0"/>
@@ -5152,14 +6162,15 @@
         </p:nvPicPr>
         <p:blipFill>
           <a:blip r:embed="rId2" cstate="print"/>
+          <a:srcRect l="1853" t="7980" r="1795" b="1052"/>
           <a:stretch>
             <a:fillRect/>
           </a:stretch>
         </p:blipFill>
         <p:spPr>
           <a:xfrm>
-            <a:off x="2987824" y="2030284"/>
-            <a:ext cx="3886200" cy="4614545"/>
+            <a:off x="3059832" y="2492896"/>
+            <a:ext cx="3744416" cy="4104456"/>
           </a:xfrm>
           <a:prstGeom prst="rect">
             <a:avLst/>
@@ -5261,15 +6272,15 @@
         </p:nvPicPr>
         <p:blipFill>
           <a:blip r:embed="rId2" cstate="print"/>
-          <a:srcRect/>
+          <a:srcRect l="3390" t="6489" r="3390" b="2658"/>
           <a:stretch>
             <a:fillRect/>
           </a:stretch>
         </p:blipFill>
         <p:spPr bwMode="auto">
           <a:xfrm>
-            <a:off x="2987824" y="2060848"/>
-            <a:ext cx="4248472" cy="4438475"/>
+            <a:off x="3131840" y="2348880"/>
+            <a:ext cx="3960440" cy="4032448"/>
           </a:xfrm>
           <a:prstGeom prst="rect">
             <a:avLst/>
@@ -5478,14 +6489,12 @@
         </p:nvSpPr>
         <p:spPr/>
         <p:txBody>
-          <a:bodyPr>
-            <a:normAutofit/>
-          </a:bodyPr>
+          <a:bodyPr/>
           <a:lstStyle/>
           <a:p>
             <a:r>
               <a:rPr lang="ru-RU" dirty="0" smtClean="0"/>
-              <a:t>Программа была протестирована </a:t>
+              <a:t>Тестирование было произведено двумя способами: </a:t>
             </a:r>
             <a:r>
               <a:rPr lang="en-US" dirty="0" err="1" smtClean="0"/>
@@ -5493,35 +6502,8 @@
             </a:r>
             <a:r>
               <a:rPr lang="ru-RU" dirty="0" smtClean="0"/>
-              <a:t>, и ручным тестированием. </a:t>
-            </a:r>
-          </a:p>
-          <a:p>
-            <a:r>
-              <a:rPr lang="ru-RU" dirty="0" smtClean="0"/>
-              <a:t>Протестирована реакция программы на пустой файл:</a:t>
-            </a:r>
-          </a:p>
-          <a:p>
-            <a:r>
-              <a:rPr lang="ru-RU" dirty="0" smtClean="0"/>
-              <a:t>Ожидаемый результат: Ошибка.</a:t>
-            </a:r>
-          </a:p>
-          <a:p>
-            <a:r>
-              <a:rPr lang="ru-RU" dirty="0" smtClean="0"/>
-              <a:t>Полученный результат: Сохраняет пустой файл как файл без ошибок.</a:t>
-            </a:r>
-          </a:p>
-          <a:p>
-            <a:endParaRPr lang="ru-RU" dirty="0" smtClean="0"/>
-          </a:p>
-          <a:p>
-            <a:endParaRPr lang="ru-RU" dirty="0" smtClean="0"/>
-          </a:p>
-          <a:p>
-            <a:endParaRPr lang="ru-RU" dirty="0"/>
+              <a:t> и ручное тестирование. </a:t>
+            </a:r>
           </a:p>
         </p:txBody>
       </p:sp>
@@ -5548,10 +6530,152 @@
           </a:p>
         </p:txBody>
       </p:sp>
+      <p:sp>
+        <p:nvSpPr>
+          <p:cNvPr id="9218" name="AutoShape 2" descr="https://lifestories.com.ua/images/840/567/2.jpg"/>
+          <p:cNvSpPr>
+            <a:spLocks noChangeAspect="1" noChangeArrowheads="1"/>
+          </p:cNvSpPr>
+          <p:nvPr/>
+        </p:nvSpPr>
+        <p:spPr bwMode="auto">
+          <a:xfrm>
+            <a:off x="155575" y="-144463"/>
+            <a:ext cx="304800" cy="304801"/>
+          </a:xfrm>
+          <a:prstGeom prst="rect">
+            <a:avLst/>
+          </a:prstGeom>
+          <a:noFill/>
+        </p:spPr>
+        <p:txBody>
+          <a:bodyPr vert="horz" wrap="square" lIns="91440" tIns="45720" rIns="91440" bIns="45720" numCol="1" anchor="t" anchorCtr="0" compatLnSpc="1">
+            <a:prstTxWarp prst="textNoShape">
+              <a:avLst/>
+            </a:prstTxWarp>
+          </a:bodyPr>
+          <a:lstStyle/>
+          <a:p>
+            <a:endParaRPr lang="ru-RU"/>
+          </a:p>
+        </p:txBody>
+      </p:sp>
+      <p:sp>
+        <p:nvSpPr>
+          <p:cNvPr id="9220" name="AutoShape 4" descr="https://lifestories.com.ua/images/840/567/2.jpg"/>
+          <p:cNvSpPr>
+            <a:spLocks noChangeAspect="1" noChangeArrowheads="1"/>
+          </p:cNvSpPr>
+          <p:nvPr/>
+        </p:nvSpPr>
+        <p:spPr bwMode="auto">
+          <a:xfrm>
+            <a:off x="155575" y="-144463"/>
+            <a:ext cx="304800" cy="304801"/>
+          </a:xfrm>
+          <a:prstGeom prst="rect">
+            <a:avLst/>
+          </a:prstGeom>
+          <a:noFill/>
+        </p:spPr>
+        <p:txBody>
+          <a:bodyPr vert="horz" wrap="square" lIns="91440" tIns="45720" rIns="91440" bIns="45720" numCol="1" anchor="t" anchorCtr="0" compatLnSpc="1">
+            <a:prstTxWarp prst="textNoShape">
+              <a:avLst/>
+            </a:prstTxWarp>
+          </a:bodyPr>
+          <a:lstStyle/>
+          <a:p>
+            <a:endParaRPr lang="ru-RU"/>
+          </a:p>
+        </p:txBody>
+      </p:sp>
+      <p:sp>
+        <p:nvSpPr>
+          <p:cNvPr id="9222" name="AutoShape 6" descr="https://lifestories.com.ua/images/840/567/2.jpg"/>
+          <p:cNvSpPr>
+            <a:spLocks noChangeAspect="1" noChangeArrowheads="1"/>
+          </p:cNvSpPr>
+          <p:nvPr/>
+        </p:nvSpPr>
+        <p:spPr bwMode="auto">
+          <a:xfrm>
+            <a:off x="155575" y="-2171700"/>
+            <a:ext cx="7191375" cy="4533900"/>
+          </a:xfrm>
+          <a:prstGeom prst="rect">
+            <a:avLst/>
+          </a:prstGeom>
+          <a:noFill/>
+        </p:spPr>
+        <p:txBody>
+          <a:bodyPr vert="horz" wrap="square" lIns="91440" tIns="45720" rIns="91440" bIns="45720" numCol="1" anchor="t" anchorCtr="0" compatLnSpc="1">
+            <a:prstTxWarp prst="textNoShape">
+              <a:avLst/>
+            </a:prstTxWarp>
+          </a:bodyPr>
+          <a:lstStyle/>
+          <a:p>
+            <a:endParaRPr lang="ru-RU"/>
+          </a:p>
+        </p:txBody>
+      </p:sp>
+      <p:pic>
+        <p:nvPicPr>
+          <p:cNvPr id="9225" name="Picture 9" descr="https://data.vb.kg/image/big/2018-07-27_14-09-12_234058.jpg"/>
+          <p:cNvPicPr>
+            <a:picLocks noChangeAspect="1" noChangeArrowheads="1"/>
+          </p:cNvPicPr>
+          <p:nvPr/>
+        </p:nvPicPr>
+        <p:blipFill>
+          <a:blip r:embed="rId2" cstate="print"/>
+          <a:srcRect/>
+          <a:stretch>
+            <a:fillRect/>
+          </a:stretch>
+        </p:blipFill>
+        <p:spPr bwMode="auto">
+          <a:xfrm>
+            <a:off x="4716016" y="2996952"/>
+            <a:ext cx="3859188" cy="2442315"/>
+          </a:xfrm>
+          <a:prstGeom prst="rect">
+            <a:avLst/>
+          </a:prstGeom>
+          <a:noFill/>
+        </p:spPr>
+      </p:pic>
+      <p:pic>
+        <p:nvPicPr>
+          <p:cNvPr id="9227" name="Picture 11" descr="http://javastudy.ru/wp-content/uploads/2015/04/Unit-Testing.jpg"/>
+          <p:cNvPicPr>
+            <a:picLocks noChangeAspect="1" noChangeArrowheads="1"/>
+          </p:cNvPicPr>
+          <p:nvPr/>
+        </p:nvPicPr>
+        <p:blipFill>
+          <a:blip r:embed="rId3" cstate="print"/>
+          <a:srcRect/>
+          <a:stretch>
+            <a:fillRect/>
+          </a:stretch>
+        </p:blipFill>
+        <p:spPr bwMode="auto">
+          <a:xfrm>
+            <a:off x="827584" y="2924944"/>
+            <a:ext cx="2520280" cy="2520280"/>
+          </a:xfrm>
+          <a:prstGeom prst="rect">
+            <a:avLst/>
+          </a:prstGeom>
+          <a:noFill/>
+        </p:spPr>
+      </p:pic>
     </p:spTree>
     <p:extLst>
       <p:ext uri="{BB962C8B-B14F-4D97-AF65-F5344CB8AC3E}">
-        <p14:creationId xmlns="" xmlns:p14="http://schemas.microsoft.com/office/powerpoint/2010/main" val="1930091311"/>
+        <p14:creationId xmlns:p14="http://schemas.microsoft.com/office/powerpoint/2010/main" xmlns="" val="1930091311"/>
       </p:ext>
     </p:extLst>
   </p:cSld>
@@ -5587,7 +6711,7 @@
       </p:grpSpPr>
       <p:sp>
         <p:nvSpPr>
-          <p:cNvPr id="2" name="Объект 1"/>
+          <p:cNvPr id="2" name="Содержимое 1"/>
           <p:cNvSpPr>
             <a:spLocks noGrp="1"/>
           </p:cNvSpPr>
@@ -5601,117 +6725,84 @@
           <a:lstStyle/>
           <a:p>
             <a:r>
-              <a:rPr lang="ru-RU" dirty="0"/>
-              <a:t>Протестирована реакция на другие виды файлов .</a:t>
-            </a:r>
-            <a:r>
-              <a:rPr lang="ru-RU" dirty="0" err="1" smtClean="0"/>
-              <a:t>doc</a:t>
-            </a:r>
-            <a:r>
               <a:rPr lang="ru-RU" dirty="0" smtClean="0"/>
-              <a:t>, </a:t>
-            </a:r>
-            <a:r>
-              <a:rPr lang="ru-RU" dirty="0"/>
-              <a:t>.</a:t>
-            </a:r>
-            <a:r>
-              <a:rPr lang="en-US" dirty="0" err="1"/>
-              <a:t>mp</a:t>
-            </a:r>
-            <a:r>
-              <a:rPr lang="ru-RU" dirty="0"/>
-              <a:t>4, .</a:t>
-            </a:r>
-            <a:r>
-              <a:rPr lang="en-US" dirty="0" smtClean="0"/>
-              <a:t>exe</a:t>
-            </a:r>
-            <a:r>
-              <a:rPr lang="ru-RU" dirty="0" smtClean="0"/>
-              <a:t>:</a:t>
-            </a:r>
+              <a:t>Результаты :</a:t>
+            </a:r>
+          </a:p>
+          <a:p>
+            <a:endParaRPr lang="ru-RU" dirty="0" smtClean="0"/>
+          </a:p>
+          <a:p>
+            <a:endParaRPr lang="ru-RU" dirty="0" smtClean="0"/>
+          </a:p>
+          <a:p>
+            <a:endParaRPr lang="ru-RU" dirty="0" smtClean="0"/>
+          </a:p>
+          <a:p>
             <a:endParaRPr lang="ru-RU" dirty="0"/>
           </a:p>
-          <a:p>
-            <a:r>
-              <a:rPr lang="ru-RU" dirty="0"/>
-              <a:t>Ожидаемый результат</a:t>
-            </a:r>
-            <a:r>
-              <a:rPr lang="ru-RU" dirty="0" smtClean="0"/>
-              <a:t>:</a:t>
-            </a:r>
-            <a:r>
-              <a:rPr lang="en-US" dirty="0" smtClean="0"/>
-              <a:t> </a:t>
-            </a:r>
-            <a:r>
-              <a:rPr lang="ru-RU" dirty="0"/>
-              <a:t>Файлы будут </a:t>
-            </a:r>
-            <a:r>
-              <a:rPr lang="ru-RU" dirty="0" smtClean="0"/>
-              <a:t>проигнорированы</a:t>
-            </a:r>
-            <a:r>
-              <a:rPr lang="en-US" dirty="0"/>
-              <a:t>.</a:t>
-            </a:r>
-            <a:endParaRPr lang="en-US" dirty="0" smtClean="0"/>
-          </a:p>
-          <a:p>
-            <a:r>
-              <a:rPr lang="ru-RU" dirty="0" smtClean="0"/>
-              <a:t>Полученный результат: Файлы были проигнорированы.</a:t>
+        </p:txBody>
+      </p:sp>
+      <p:sp>
+        <p:nvSpPr>
+          <p:cNvPr id="3" name="Заголовок 2"/>
+          <p:cNvSpPr>
+            <a:spLocks noGrp="1"/>
+          </p:cNvSpPr>
+          <p:nvPr>
+            <p:ph type="title"/>
+          </p:nvPr>
+        </p:nvSpPr>
+        <p:spPr/>
+        <p:txBody>
+          <a:bodyPr/>
+          <a:lstStyle/>
+          <a:p>
+            <a:r>
+              <a:rPr lang="en-US" dirty="0" err="1" smtClean="0"/>
+              <a:t>UnitTest</a:t>
             </a:r>
             <a:endParaRPr lang="ru-RU" dirty="0"/>
           </a:p>
-          <a:p>
-            <a:endParaRPr lang="ru-RU" dirty="0"/>
-          </a:p>
-        </p:txBody>
-      </p:sp>
-      <p:sp>
-        <p:nvSpPr>
-          <p:cNvPr id="3" name="Заголовок 2"/>
-          <p:cNvSpPr>
-            <a:spLocks noGrp="1"/>
-          </p:cNvSpPr>
-          <p:nvPr>
-            <p:ph type="title"/>
-          </p:nvPr>
-        </p:nvSpPr>
-        <p:spPr/>
-        <p:txBody>
-          <a:bodyPr/>
-          <a:lstStyle/>
-          <a:p>
-            <a:r>
-              <a:rPr lang="ru-RU" dirty="0"/>
-              <a:t>Тесты</a:t>
-            </a:r>
-          </a:p>
-        </p:txBody>
-      </p:sp>
+        </p:txBody>
+      </p:sp>
+      <p:pic>
+        <p:nvPicPr>
+          <p:cNvPr id="4" name="Picture 2"/>
+          <p:cNvPicPr>
+            <a:picLocks noChangeAspect="1" noChangeArrowheads="1"/>
+          </p:cNvPicPr>
+          <p:nvPr/>
+        </p:nvPicPr>
+        <p:blipFill>
+          <a:blip r:embed="rId2" cstate="print"/>
+          <a:srcRect t="27300" r="85534" b="40151"/>
+          <a:stretch>
+            <a:fillRect/>
+          </a:stretch>
+        </p:blipFill>
+        <p:spPr bwMode="auto">
+          <a:xfrm>
+            <a:off x="3491880" y="1772816"/>
+            <a:ext cx="3635896" cy="4601846"/>
+          </a:xfrm>
+          <a:prstGeom prst="rect">
+            <a:avLst/>
+          </a:prstGeom>
+          <a:noFill/>
+          <a:ln w="9525">
+            <a:noFill/>
+            <a:miter lim="800000"/>
+            <a:headEnd/>
+            <a:tailEnd/>
+          </a:ln>
+        </p:spPr>
+      </p:pic>
     </p:spTree>
-    <p:extLst>
-      <p:ext uri="{BB962C8B-B14F-4D97-AF65-F5344CB8AC3E}">
-        <p14:creationId xmlns="" xmlns:p14="http://schemas.microsoft.com/office/powerpoint/2010/main" val="4026269993"/>
-      </p:ext>
-    </p:extLst>
   </p:cSld>
   <p:clrMapOvr>
     <a:masterClrMapping/>
   </p:clrMapOvr>
-  <p:timing>
-    <p:tnLst>
-      <p:par>
-        <p:cTn id="1" dur="indefinite" restart="never" nodeType="tmRoot"/>
-      </p:par>
-    </p:tnLst>
-  </p:timing>
 </p:sld>
 </file>
 
@@ -5734,7 +6825,7 @@
       </p:grpSpPr>
       <p:sp>
         <p:nvSpPr>
-          <p:cNvPr id="2" name="Объект 1"/>
+          <p:cNvPr id="2" name="Содержимое 1"/>
           <p:cNvSpPr>
             <a:spLocks noGrp="1"/>
           </p:cNvSpPr>
@@ -5742,77 +6833,98 @@
             <p:ph idx="1"/>
           </p:nvPr>
         </p:nvSpPr>
+        <p:spPr>
+          <a:xfrm>
+            <a:off x="323528" y="1481328"/>
+            <a:ext cx="8363272" cy="4525963"/>
+          </a:xfrm>
+        </p:spPr>
+        <p:txBody>
+          <a:bodyPr/>
+          <a:lstStyle/>
+          <a:p>
+            <a:r>
+              <a:rPr lang="ru-RU" dirty="0" smtClean="0"/>
+              <a:t>Тест на работу программы с пустым файлом:</a:t>
+            </a:r>
+          </a:p>
+          <a:p>
+            <a:r>
+              <a:rPr lang="ru-RU" dirty="0" smtClean="0"/>
+              <a:t>Ожидаемый результат: Ошибка.</a:t>
+            </a:r>
+          </a:p>
+          <a:p>
+            <a:r>
+              <a:rPr lang="ru-RU" dirty="0" smtClean="0"/>
+              <a:t>Полученный результат: Сохраняет пустой файл как файл без ошибок.</a:t>
+            </a:r>
+          </a:p>
+          <a:p>
+            <a:endParaRPr lang="ru-RU" dirty="0"/>
+          </a:p>
+        </p:txBody>
+      </p:sp>
+      <p:sp>
+        <p:nvSpPr>
+          <p:cNvPr id="3" name="Заголовок 2"/>
+          <p:cNvSpPr>
+            <a:spLocks noGrp="1"/>
+          </p:cNvSpPr>
+          <p:nvPr>
+            <p:ph type="title"/>
+          </p:nvPr>
+        </p:nvSpPr>
         <p:spPr/>
         <p:txBody>
           <a:bodyPr/>
           <a:lstStyle/>
           <a:p>
             <a:r>
-              <a:rPr lang="ru-RU" dirty="0"/>
-              <a:t>Протестирована работоспособность программы при 2 одновременно запущенных версиях:</a:t>
-            </a:r>
-          </a:p>
-          <a:p>
-            <a:r>
-              <a:rPr lang="ru-RU" dirty="0"/>
-              <a:t>Ожидаемый результат</a:t>
-            </a:r>
-            <a:r>
               <a:rPr lang="ru-RU" dirty="0" smtClean="0"/>
-              <a:t>: Ошибка при открытии.</a:t>
-            </a:r>
-          </a:p>
-          <a:p>
-            <a:r>
-              <a:rPr lang="ru-RU" dirty="0" smtClean="0"/>
-              <a:t>Полученный результат: Стабильная работа, но нагрузка увеличивается и скорость проверки падает.</a:t>
+              <a:t>Ручное тестирование</a:t>
             </a:r>
             <a:endParaRPr lang="ru-RU" dirty="0"/>
           </a:p>
-          <a:p>
-            <a:endParaRPr lang="ru-RU" dirty="0"/>
-          </a:p>
-        </p:txBody>
-      </p:sp>
-      <p:sp>
-        <p:nvSpPr>
-          <p:cNvPr id="3" name="Заголовок 2"/>
-          <p:cNvSpPr>
-            <a:spLocks noGrp="1"/>
-          </p:cNvSpPr>
-          <p:nvPr>
-            <p:ph type="title"/>
-          </p:nvPr>
-        </p:nvSpPr>
-        <p:spPr/>
-        <p:txBody>
-          <a:bodyPr/>
-          <a:lstStyle/>
-          <a:p>
-            <a:r>
-              <a:rPr lang="ru-RU" dirty="0"/>
-              <a:t>Тесты</a:t>
-            </a:r>
-          </a:p>
-        </p:txBody>
-      </p:sp>
+        </p:txBody>
+      </p:sp>
+      <p:pic>
+        <p:nvPicPr>
+          <p:cNvPr id="3074" name="Picture 2"/>
+          <p:cNvPicPr>
+            <a:picLocks noChangeAspect="1" noChangeArrowheads="1"/>
+          </p:cNvPicPr>
+          <p:nvPr/>
+        </p:nvPicPr>
+        <p:blipFill>
+          <a:blip r:embed="rId2" cstate="print"/>
+          <a:srcRect l="24411" t="36238" r="47850" b="57471"/>
+          <a:stretch>
+            <a:fillRect/>
+          </a:stretch>
+        </p:blipFill>
+        <p:spPr bwMode="auto">
+          <a:xfrm>
+            <a:off x="1907704" y="3933056"/>
+            <a:ext cx="4725525" cy="864096"/>
+          </a:xfrm>
+          <a:prstGeom prst="rect">
+            <a:avLst/>
+          </a:prstGeom>
+          <a:noFill/>
+          <a:ln w="9525">
+            <a:noFill/>
+            <a:miter lim="800000"/>
+            <a:headEnd/>
+            <a:tailEnd/>
+          </a:ln>
+        </p:spPr>
+      </p:pic>
     </p:spTree>
-    <p:extLst>
-      <p:ext uri="{BB962C8B-B14F-4D97-AF65-F5344CB8AC3E}">
-        <p14:creationId xmlns="" xmlns:p14="http://schemas.microsoft.com/office/powerpoint/2010/main" val="708954501"/>
-      </p:ext>
-    </p:extLst>
   </p:cSld>
   <p:clrMapOvr>
     <a:masterClrMapping/>
   </p:clrMapOvr>
-  <p:timing>
-    <p:tnLst>
-      <p:par>
-        <p:cTn id="1" dur="indefinite" restart="never" nodeType="tmRoot"/>
-      </p:par>
-    </p:tnLst>
-  </p:timing>
 </p:sld>
 </file>
 
@@ -6099,4 +7211,287 @@
   <a:objectDefaults/>
   <a:extraClrSchemeLst/>
 </a:theme>
+</file>
+
+<file path=ppt/theme/theme2.xml><?xml version="1.0" encoding="utf-8"?>
+<a:theme xmlns:a="http://schemas.openxmlformats.org/drawingml/2006/main" name="Тема Office">
+  <a:themeElements>
+    <a:clrScheme name="Стандартная">
+      <a:dk1>
+        <a:sysClr val="windowText" lastClr="000000"/>
+      </a:dk1>
+      <a:lt1>
+        <a:sysClr val="window" lastClr="FFFFFF"/>
+      </a:lt1>
+      <a:dk2>
+        <a:srgbClr val="1F497D"/>
+      </a:dk2>
+      <a:lt2>
+        <a:srgbClr val="EEECE1"/>
+      </a:lt2>
+      <a:accent1>
+        <a:srgbClr val="4F81BD"/>
+      </a:accent1>
+      <a:accent2>
+        <a:srgbClr val="C0504D"/>
+      </a:accent2>
+      <a:accent3>
+        <a:srgbClr val="9BBB59"/>
+      </a:accent3>
+      <a:accent4>
+        <a:srgbClr val="8064A2"/>
+      </a:accent4>
+      <a:accent5>
+        <a:srgbClr val="4BACC6"/>
+      </a:accent5>
+      <a:accent6>
+        <a:srgbClr val="F79646"/>
+      </a:accent6>
+      <a:hlink>
+        <a:srgbClr val="0000FF"/>
+      </a:hlink>
+      <a:folHlink>
+        <a:srgbClr val="800080"/>
+      </a:folHlink>
+    </a:clrScheme>
+    <a:fontScheme name="Стандартная">
+      <a:majorFont>
+        <a:latin typeface="Calibri"/>
+        <a:ea typeface=""/>
+        <a:cs typeface=""/>
+        <a:font script="Jpan" typeface="ＭＳ Ｐゴシック"/>
+        <a:font script="Hang" typeface="맑은 고딕"/>
+        <a:font script="Hans" typeface="宋体"/>
+        <a:font script="Hant" typeface="新細明體"/>
+        <a:font script="Arab" typeface="Times New Roman"/>
+        <a:font script="Hebr" typeface="Times New Roman"/>
+        <a:font script="Thai" typeface="Angsana New"/>
+        <a:font script="Ethi" typeface="Nyala"/>
+        <a:font script="Beng" typeface="Vrinda"/>
+        <a:font script="Gujr" typeface="Shruti"/>
+        <a:font script="Khmr" typeface="MoolBoran"/>
+        <a:font script="Knda" typeface="Tunga"/>
+        <a:font script="Guru" typeface="Raavi"/>
+        <a:font script="Cans" typeface="Euphemia"/>
+        <a:font script="Cher" typeface="Plantagenet Cherokee"/>
+        <a:font script="Yiii" typeface="Microsoft Yi Baiti"/>
+        <a:font script="Tibt" typeface="Microsoft Himalaya"/>
+        <a:font script="Thaa" typeface="MV Boli"/>
+        <a:font script="Deva" typeface="Mangal"/>
+        <a:font script="Telu" typeface="Gautami"/>
+        <a:font script="Taml" typeface="Latha"/>
+        <a:font script="Syrc" typeface="Estrangelo Edessa"/>
+        <a:font script="Orya" typeface="Kalinga"/>
+        <a:font script="Mlym" typeface="Kartika"/>
+        <a:font script="Laoo" typeface="DokChampa"/>
+        <a:font script="Sinh" typeface="Iskoola Pota"/>
+        <a:font script="Mong" typeface="Mongolian Baiti"/>
+        <a:font script="Viet" typeface="Times New Roman"/>
+        <a:font script="Uigh" typeface="Microsoft Uighur"/>
+      </a:majorFont>
+      <a:minorFont>
+        <a:latin typeface="Calibri"/>
+        <a:ea typeface=""/>
+        <a:cs typeface=""/>
+        <a:font script="Jpan" typeface="ＭＳ Ｐゴシック"/>
+        <a:font script="Hang" typeface="맑은 고딕"/>
+        <a:font script="Hans" typeface="宋体"/>
+        <a:font script="Hant" typeface="新細明體"/>
+        <a:font script="Arab" typeface="Arial"/>
+        <a:font script="Hebr" typeface="Arial"/>
+        <a:font script="Thai" typeface="Cordia New"/>
+        <a:font script="Ethi" typeface="Nyala"/>
+        <a:font script="Beng" typeface="Vrinda"/>
+        <a:font script="Gujr" typeface="Shruti"/>
+        <a:font script="Khmr" typeface="DaunPenh"/>
+        <a:font script="Knda" typeface="Tunga"/>
+        <a:font script="Guru" typeface="Raavi"/>
+        <a:font script="Cans" typeface="Euphemia"/>
+        <a:font script="Cher" typeface="Plantagenet Cherokee"/>
+        <a:font script="Yiii" typeface="Microsoft Yi Baiti"/>
+        <a:font script="Tibt" typeface="Microsoft Himalaya"/>
+        <a:font script="Thaa" typeface="MV Boli"/>
+        <a:font script="Deva" typeface="Mangal"/>
+        <a:font script="Telu" typeface="Gautami"/>
+        <a:font script="Taml" typeface="Latha"/>
+        <a:font script="Syrc" typeface="Estrangelo Edessa"/>
+        <a:font script="Orya" typeface="Kalinga"/>
+        <a:font script="Mlym" typeface="Kartika"/>
+        <a:font script="Laoo" typeface="DokChampa"/>
+        <a:font script="Sinh" typeface="Iskoola Pota"/>
+        <a:font script="Mong" typeface="Mongolian Baiti"/>
+        <a:font script="Viet" typeface="Arial"/>
+        <a:font script="Uigh" typeface="Microsoft Uighur"/>
+      </a:minorFont>
+    </a:fontScheme>
+    <a:fmtScheme name="Стандартная">
+      <a:fillStyleLst>
+        <a:solidFill>
+          <a:schemeClr val="phClr"/>
+        </a:solidFill>
+        <a:gradFill rotWithShape="1">
+          <a:gsLst>
+            <a:gs pos="0">
+              <a:schemeClr val="phClr">
+                <a:tint val="50000"/>
+                <a:satMod val="300000"/>
+              </a:schemeClr>
+            </a:gs>
+            <a:gs pos="35000">
+              <a:schemeClr val="phClr">
+                <a:tint val="37000"/>
+                <a:satMod val="300000"/>
+              </a:schemeClr>
+            </a:gs>
+            <a:gs pos="100000">
+              <a:schemeClr val="phClr">
+                <a:tint val="15000"/>
+                <a:satMod val="350000"/>
+              </a:schemeClr>
+            </a:gs>
+          </a:gsLst>
+          <a:lin ang="16200000" scaled="1"/>
+        </a:gradFill>
+        <a:gradFill rotWithShape="1">
+          <a:gsLst>
+            <a:gs pos="0">
+              <a:schemeClr val="phClr">
+                <a:shade val="51000"/>
+                <a:satMod val="130000"/>
+              </a:schemeClr>
+            </a:gs>
+            <a:gs pos="80000">
+              <a:schemeClr val="phClr">
+                <a:shade val="93000"/>
+                <a:satMod val="130000"/>
+              </a:schemeClr>
+            </a:gs>
+            <a:gs pos="100000">
+              <a:schemeClr val="phClr">
+                <a:shade val="94000"/>
+                <a:satMod val="135000"/>
+              </a:schemeClr>
+            </a:gs>
+          </a:gsLst>
+          <a:lin ang="16200000" scaled="0"/>
+        </a:gradFill>
+      </a:fillStyleLst>
+      <a:lnStyleLst>
+        <a:ln w="9525" cap="flat" cmpd="sng" algn="ctr">
+          <a:solidFill>
+            <a:schemeClr val="phClr">
+              <a:shade val="95000"/>
+              <a:satMod val="105000"/>
+            </a:schemeClr>
+          </a:solidFill>
+          <a:prstDash val="solid"/>
+        </a:ln>
+        <a:ln w="25400" cap="flat" cmpd="sng" algn="ctr">
+          <a:solidFill>
+            <a:schemeClr val="phClr"/>
+          </a:solidFill>
+          <a:prstDash val="solid"/>
+        </a:ln>
+        <a:ln w="38100" cap="flat" cmpd="sng" algn="ctr">
+          <a:solidFill>
+            <a:schemeClr val="phClr"/>
+          </a:solidFill>
+          <a:prstDash val="solid"/>
+        </a:ln>
+      </a:lnStyleLst>
+      <a:effectStyleLst>
+        <a:effectStyle>
+          <a:effectLst>
+            <a:outerShdw blurRad="40000" dist="20000" dir="5400000" rotWithShape="0">
+              <a:srgbClr val="000000">
+                <a:alpha val="38000"/>
+              </a:srgbClr>
+            </a:outerShdw>
+          </a:effectLst>
+        </a:effectStyle>
+        <a:effectStyle>
+          <a:effectLst>
+            <a:outerShdw blurRad="40000" dist="23000" dir="5400000" rotWithShape="0">
+              <a:srgbClr val="000000">
+                <a:alpha val="35000"/>
+              </a:srgbClr>
+            </a:outerShdw>
+          </a:effectLst>
+        </a:effectStyle>
+        <a:effectStyle>
+          <a:effectLst>
+            <a:outerShdw blurRad="40000" dist="23000" dir="5400000" rotWithShape="0">
+              <a:srgbClr val="000000">
+                <a:alpha val="35000"/>
+              </a:srgbClr>
+            </a:outerShdw>
+          </a:effectLst>
+          <a:scene3d>
+            <a:camera prst="orthographicFront">
+              <a:rot lat="0" lon="0" rev="0"/>
+            </a:camera>
+            <a:lightRig rig="threePt" dir="t">
+              <a:rot lat="0" lon="0" rev="1200000"/>
+            </a:lightRig>
+          </a:scene3d>
+          <a:sp3d>
+            <a:bevelT w="63500" h="25400"/>
+          </a:sp3d>
+        </a:effectStyle>
+      </a:effectStyleLst>
+      <a:bgFillStyleLst>
+        <a:solidFill>
+          <a:schemeClr val="phClr"/>
+        </a:solidFill>
+        <a:gradFill rotWithShape="1">
+          <a:gsLst>
+            <a:gs pos="0">
+              <a:schemeClr val="phClr">
+                <a:tint val="40000"/>
+                <a:satMod val="350000"/>
+              </a:schemeClr>
+            </a:gs>
+            <a:gs pos="40000">
+              <a:schemeClr val="phClr">
+                <a:tint val="45000"/>
+                <a:shade val="99000"/>
+                <a:satMod val="350000"/>
+              </a:schemeClr>
+            </a:gs>
+            <a:gs pos="100000">
+              <a:schemeClr val="phClr">
+                <a:shade val="20000"/>
+                <a:satMod val="255000"/>
+              </a:schemeClr>
+            </a:gs>
+          </a:gsLst>
+          <a:path path="circle">
+            <a:fillToRect l="50000" t="-80000" r="50000" b="180000"/>
+          </a:path>
+        </a:gradFill>
+        <a:gradFill rotWithShape="1">
+          <a:gsLst>
+            <a:gs pos="0">
+              <a:schemeClr val="phClr">
+                <a:tint val="80000"/>
+                <a:satMod val="300000"/>
+              </a:schemeClr>
+            </a:gs>
+            <a:gs pos="100000">
+              <a:schemeClr val="phClr">
+                <a:shade val="30000"/>
+                <a:satMod val="200000"/>
+              </a:schemeClr>
+            </a:gs>
+          </a:gsLst>
+          <a:path path="circle">
+            <a:fillToRect l="50000" t="50000" r="50000" b="50000"/>
+          </a:path>
+        </a:gradFill>
+      </a:bgFillStyleLst>
+    </a:fmtScheme>
+  </a:themeElements>
+  <a:objectDefaults/>
+  <a:extraClrSchemeLst/>
+</a:theme>
 </file>